--- a/logo.pptx
+++ b/logo.pptx
@@ -6,7 +6,8 @@
   </p:sldMasterIdLst>
   <p:sldIdLst>
     <p:sldId id="256" r:id="rId2"/>
-    <p:sldId id="257" r:id="rId3"/>
+    <p:sldId id="258" r:id="rId3"/>
+    <p:sldId id="257" r:id="rId4"/>
   </p:sldIdLst>
   <p:sldSz cx="12192000" cy="6858000"/>
   <p:notesSz cx="6858000" cy="9144000"/>
@@ -105,6 +106,11 @@
       </a:defRPr>
     </a:lvl9pPr>
   </p:defaultTextStyle>
+  <p:extLst>
+    <p:ext uri="{EFAFB233-063F-42B5-8137-9DF3F51BA10A}">
+      <p15:sldGuideLst xmlns:p15="http://schemas.microsoft.com/office/powerpoint/2012/main"/>
+    </p:ext>
+  </p:extLst>
 </p:presentation>
 </file>
 
@@ -3358,269 +3364,6 @@
           </a:prstGeom>
         </p:spPr>
       </p:pic>
-      <p:grpSp>
-        <p:nvGrpSpPr>
-          <p:cNvPr id="13" name="그룹 12">
-            <a:extLst>
-              <a:ext uri="{FF2B5EF4-FFF2-40B4-BE49-F238E27FC236}">
-                <a16:creationId xmlns:a16="http://schemas.microsoft.com/office/drawing/2014/main" id="{CA16B9F9-B5C4-4358-B81F-FCED9C8A9663}"/>
-              </a:ext>
-            </a:extLst>
-          </p:cNvPr>
-          <p:cNvGrpSpPr/>
-          <p:nvPr/>
-        </p:nvGrpSpPr>
-        <p:grpSpPr>
-          <a:xfrm>
-            <a:off x="388999" y="181919"/>
-            <a:ext cx="6720292" cy="6694918"/>
-            <a:chOff x="5177309" y="861483"/>
-            <a:chExt cx="6720292" cy="6694918"/>
-          </a:xfrm>
-        </p:grpSpPr>
-        <p:sp>
-          <p:nvSpPr>
-            <p:cNvPr id="12" name="자유형: 도형 11">
-              <a:extLst>
-                <a:ext uri="{FF2B5EF4-FFF2-40B4-BE49-F238E27FC236}">
-                  <a16:creationId xmlns:a16="http://schemas.microsoft.com/office/drawing/2014/main" id="{961CE006-5175-4BD5-A859-84B1A9876C90}"/>
-                </a:ext>
-              </a:extLst>
-            </p:cNvPr>
-            <p:cNvSpPr/>
-            <p:nvPr/>
-          </p:nvSpPr>
-          <p:spPr>
-            <a:xfrm>
-              <a:off x="5177309" y="861483"/>
-              <a:ext cx="6720292" cy="4527734"/>
-            </a:xfrm>
-            <a:custGeom>
-              <a:avLst/>
-              <a:gdLst>
-                <a:gd name="connsiteX0" fmla="*/ 3831527 w 6720292"/>
-                <a:gd name="connsiteY0" fmla="*/ 856993 h 4527734"/>
-                <a:gd name="connsiteX1" fmla="*/ 1316955 w 6720292"/>
-                <a:gd name="connsiteY1" fmla="*/ 2417060 h 4527734"/>
-                <a:gd name="connsiteX2" fmla="*/ 3831527 w 6720292"/>
-                <a:gd name="connsiteY2" fmla="*/ 3977127 h 4527734"/>
-                <a:gd name="connsiteX3" fmla="*/ 6346099 w 6720292"/>
-                <a:gd name="connsiteY3" fmla="*/ 2417060 h 4527734"/>
-                <a:gd name="connsiteX4" fmla="*/ 3831527 w 6720292"/>
-                <a:gd name="connsiteY4" fmla="*/ 856993 h 4527734"/>
-                <a:gd name="connsiteX5" fmla="*/ 3360146 w 6720292"/>
-                <a:gd name="connsiteY5" fmla="*/ 0 h 4527734"/>
-                <a:gd name="connsiteX6" fmla="*/ 6720292 w 6720292"/>
-                <a:gd name="connsiteY6" fmla="*/ 2263867 h 4527734"/>
-                <a:gd name="connsiteX7" fmla="*/ 3360146 w 6720292"/>
-                <a:gd name="connsiteY7" fmla="*/ 4527734 h 4527734"/>
-                <a:gd name="connsiteX8" fmla="*/ 0 w 6720292"/>
-                <a:gd name="connsiteY8" fmla="*/ 2263867 h 4527734"/>
-                <a:gd name="connsiteX9" fmla="*/ 3360146 w 6720292"/>
-                <a:gd name="connsiteY9" fmla="*/ 0 h 4527734"/>
-              </a:gdLst>
-              <a:ahLst/>
-              <a:cxnLst>
-                <a:cxn ang="0">
-                  <a:pos x="connsiteX0" y="connsiteY0"/>
-                </a:cxn>
-                <a:cxn ang="0">
-                  <a:pos x="connsiteX1" y="connsiteY1"/>
-                </a:cxn>
-                <a:cxn ang="0">
-                  <a:pos x="connsiteX2" y="connsiteY2"/>
-                </a:cxn>
-                <a:cxn ang="0">
-                  <a:pos x="connsiteX3" y="connsiteY3"/>
-                </a:cxn>
-                <a:cxn ang="0">
-                  <a:pos x="connsiteX4" y="connsiteY4"/>
-                </a:cxn>
-                <a:cxn ang="0">
-                  <a:pos x="connsiteX5" y="connsiteY5"/>
-                </a:cxn>
-                <a:cxn ang="0">
-                  <a:pos x="connsiteX6" y="connsiteY6"/>
-                </a:cxn>
-                <a:cxn ang="0">
-                  <a:pos x="connsiteX7" y="connsiteY7"/>
-                </a:cxn>
-                <a:cxn ang="0">
-                  <a:pos x="connsiteX8" y="connsiteY8"/>
-                </a:cxn>
-                <a:cxn ang="0">
-                  <a:pos x="connsiteX9" y="connsiteY9"/>
-                </a:cxn>
-              </a:cxnLst>
-              <a:rect l="l" t="t" r="r" b="b"/>
-              <a:pathLst>
-                <a:path w="6720292" h="4527734">
-                  <a:moveTo>
-                    <a:pt x="3831527" y="856993"/>
-                  </a:moveTo>
-                  <a:cubicBezTo>
-                    <a:pt x="2442767" y="856993"/>
-                    <a:pt x="1316955" y="1555459"/>
-                    <a:pt x="1316955" y="2417060"/>
-                  </a:cubicBezTo>
-                  <a:cubicBezTo>
-                    <a:pt x="1316955" y="3278661"/>
-                    <a:pt x="2442767" y="3977127"/>
-                    <a:pt x="3831527" y="3977127"/>
-                  </a:cubicBezTo>
-                  <a:cubicBezTo>
-                    <a:pt x="5220287" y="3977127"/>
-                    <a:pt x="6346099" y="3278661"/>
-                    <a:pt x="6346099" y="2417060"/>
-                  </a:cubicBezTo>
-                  <a:cubicBezTo>
-                    <a:pt x="6346099" y="1555459"/>
-                    <a:pt x="5220287" y="856993"/>
-                    <a:pt x="3831527" y="856993"/>
-                  </a:cubicBezTo>
-                  <a:close/>
-                  <a:moveTo>
-                    <a:pt x="3360146" y="0"/>
-                  </a:moveTo>
-                  <a:cubicBezTo>
-                    <a:pt x="5215903" y="0"/>
-                    <a:pt x="6720292" y="1013568"/>
-                    <a:pt x="6720292" y="2263867"/>
-                  </a:cubicBezTo>
-                  <a:cubicBezTo>
-                    <a:pt x="6720292" y="3514166"/>
-                    <a:pt x="5215903" y="4527734"/>
-                    <a:pt x="3360146" y="4527734"/>
-                  </a:cubicBezTo>
-                  <a:cubicBezTo>
-                    <a:pt x="1504389" y="4527734"/>
-                    <a:pt x="0" y="3514166"/>
-                    <a:pt x="0" y="2263867"/>
-                  </a:cubicBezTo>
-                  <a:cubicBezTo>
-                    <a:pt x="0" y="1013568"/>
-                    <a:pt x="1504389" y="0"/>
-                    <a:pt x="3360146" y="0"/>
-                  </a:cubicBezTo>
-                  <a:close/>
-                </a:path>
-              </a:pathLst>
-            </a:custGeom>
-            <a:gradFill>
-              <a:gsLst>
-                <a:gs pos="0">
-                  <a:schemeClr val="bg1">
-                    <a:lumMod val="85000"/>
-                  </a:schemeClr>
-                </a:gs>
-                <a:gs pos="100000">
-                  <a:schemeClr val="bg1">
-                    <a:lumMod val="65000"/>
-                  </a:schemeClr>
-                </a:gs>
-              </a:gsLst>
-              <a:lin ang="0" scaled="1"/>
-            </a:gradFill>
-            <a:ln>
-              <a:noFill/>
-            </a:ln>
-          </p:spPr>
-          <p:style>
-            <a:lnRef idx="2">
-              <a:schemeClr val="accent1">
-                <a:shade val="50000"/>
-              </a:schemeClr>
-            </a:lnRef>
-            <a:fillRef idx="1">
-              <a:schemeClr val="accent1"/>
-            </a:fillRef>
-            <a:effectRef idx="0">
-              <a:schemeClr val="accent1"/>
-            </a:effectRef>
-            <a:fontRef idx="minor">
-              <a:schemeClr val="lt1"/>
-            </a:fontRef>
-          </p:style>
-          <p:txBody>
-            <a:bodyPr rtlCol="0" anchor="ctr"/>
-            <a:lstStyle/>
-            <a:p>
-              <a:pPr algn="ctr"/>
-              <a:endParaRPr lang="ko-KR" altLang="en-US"/>
-            </a:p>
-          </p:txBody>
-        </p:sp>
-        <p:sp>
-          <p:nvSpPr>
-            <p:cNvPr id="9" name="TextBox 8">
-              <a:extLst>
-                <a:ext uri="{FF2B5EF4-FFF2-40B4-BE49-F238E27FC236}">
-                  <a16:creationId xmlns:a16="http://schemas.microsoft.com/office/drawing/2014/main" id="{A2B66178-2E42-498D-9AA9-3355CF3760CB}"/>
-                </a:ext>
-              </a:extLst>
-            </p:cNvPr>
-            <p:cNvSpPr txBox="1"/>
-            <p:nvPr/>
-          </p:nvSpPr>
-          <p:spPr>
-            <a:xfrm>
-              <a:off x="7142693" y="1031538"/>
-              <a:ext cx="4354077" cy="6524863"/>
-            </a:xfrm>
-            <a:prstGeom prst="rect">
-              <a:avLst/>
-            </a:prstGeom>
-            <a:noFill/>
-          </p:spPr>
-          <p:txBody>
-            <a:bodyPr wrap="none" rtlCol="0">
-              <a:spAutoFit/>
-            </a:bodyPr>
-            <a:lstStyle/>
-            <a:p>
-              <a:r>
-                <a:rPr lang="en-US" altLang="ko-KR" sz="41800" dirty="0">
-                  <a:gradFill flip="none" rotWithShape="1">
-                    <a:gsLst>
-                      <a:gs pos="0">
-                        <a:schemeClr val="accent4"/>
-                      </a:gs>
-                      <a:gs pos="100000">
-                        <a:schemeClr val="accent4">
-                          <a:lumMod val="75000"/>
-                        </a:schemeClr>
-                      </a:gs>
-                    </a:gsLst>
-                    <a:lin ang="0" scaled="1"/>
-                    <a:tileRect/>
-                  </a:gradFill>
-                  <a:latin typeface="Arial Black" panose="020B0A04020102020204" pitchFamily="34" charset="0"/>
-                  <a:cs typeface="Aharoni" panose="020B0604020202020204" pitchFamily="2" charset="-79"/>
-                </a:rPr>
-                <a:t>R</a:t>
-              </a:r>
-              <a:endParaRPr lang="ko-KR" altLang="en-US" sz="41800" dirty="0">
-                <a:gradFill flip="none" rotWithShape="1">
-                  <a:gsLst>
-                    <a:gs pos="0">
-                      <a:schemeClr val="accent4"/>
-                    </a:gs>
-                    <a:gs pos="100000">
-                      <a:schemeClr val="accent4">
-                        <a:lumMod val="75000"/>
-                      </a:schemeClr>
-                    </a:gs>
-                  </a:gsLst>
-                  <a:lin ang="0" scaled="1"/>
-                  <a:tileRect/>
-                </a:gradFill>
-                <a:latin typeface="Arial Black" panose="020B0A04020102020204" pitchFamily="34" charset="0"/>
-                <a:cs typeface="Aharoni" panose="020B0604020202020204" pitchFamily="2" charset="-79"/>
-              </a:endParaRPr>
-            </a:p>
-          </p:txBody>
-        </p:sp>
-      </p:grpSp>
     </p:spTree>
     <p:extLst>
       <p:ext uri="{BB962C8B-B14F-4D97-AF65-F5344CB8AC3E}">
@@ -3651,12 +3394,334 @@
           <a:chExt cx="0" cy="0"/>
         </a:xfrm>
       </p:grpSpPr>
+      <p:sp>
+        <p:nvSpPr>
+          <p:cNvPr id="2" name="제목 1">
+            <a:extLst>
+              <a:ext uri="{FF2B5EF4-FFF2-40B4-BE49-F238E27FC236}">
+                <a16:creationId xmlns:a16="http://schemas.microsoft.com/office/drawing/2014/main" id="{A64CC98D-300B-4205-8D24-F23889552A1F}"/>
+              </a:ext>
+            </a:extLst>
+          </p:cNvPr>
+          <p:cNvSpPr>
+            <a:spLocks noGrp="1"/>
+          </p:cNvSpPr>
+          <p:nvPr>
+            <p:ph type="title"/>
+          </p:nvPr>
+        </p:nvSpPr>
+        <p:spPr/>
+        <p:txBody>
+          <a:bodyPr/>
+          <a:lstStyle/>
+          <a:p>
+            <a:endParaRPr lang="ko-KR" altLang="en-US"/>
+          </a:p>
+        </p:txBody>
+      </p:sp>
+      <p:sp>
+        <p:nvSpPr>
+          <p:cNvPr id="3" name="내용 개체 틀 2">
+            <a:extLst>
+              <a:ext uri="{FF2B5EF4-FFF2-40B4-BE49-F238E27FC236}">
+                <a16:creationId xmlns:a16="http://schemas.microsoft.com/office/drawing/2014/main" id="{11A67768-0666-4597-8FD4-565F4CA5C0BE}"/>
+              </a:ext>
+            </a:extLst>
+          </p:cNvPr>
+          <p:cNvSpPr>
+            <a:spLocks noGrp="1"/>
+          </p:cNvSpPr>
+          <p:nvPr>
+            <p:ph idx="1"/>
+          </p:nvPr>
+        </p:nvSpPr>
+        <p:spPr/>
+        <p:txBody>
+          <a:bodyPr/>
+          <a:lstStyle/>
+          <a:p>
+            <a:endParaRPr lang="ko-KR" altLang="en-US"/>
+          </a:p>
+        </p:txBody>
+      </p:sp>
+      <p:sp>
+        <p:nvSpPr>
+          <p:cNvPr id="4" name="자유형: 도형 3">
+            <a:extLst>
+              <a:ext uri="{FF2B5EF4-FFF2-40B4-BE49-F238E27FC236}">
+                <a16:creationId xmlns:a16="http://schemas.microsoft.com/office/drawing/2014/main" id="{317FFE3E-B454-4474-8D03-68C0E5A69902}"/>
+              </a:ext>
+            </a:extLst>
+          </p:cNvPr>
+          <p:cNvSpPr/>
+          <p:nvPr/>
+        </p:nvSpPr>
+        <p:spPr>
+          <a:xfrm>
+            <a:off x="388999" y="181919"/>
+            <a:ext cx="6720292" cy="4527734"/>
+          </a:xfrm>
+          <a:custGeom>
+            <a:avLst/>
+            <a:gdLst>
+              <a:gd name="connsiteX0" fmla="*/ 3831527 w 6720292"/>
+              <a:gd name="connsiteY0" fmla="*/ 856993 h 4527734"/>
+              <a:gd name="connsiteX1" fmla="*/ 1316955 w 6720292"/>
+              <a:gd name="connsiteY1" fmla="*/ 2417060 h 4527734"/>
+              <a:gd name="connsiteX2" fmla="*/ 3831527 w 6720292"/>
+              <a:gd name="connsiteY2" fmla="*/ 3977127 h 4527734"/>
+              <a:gd name="connsiteX3" fmla="*/ 6346099 w 6720292"/>
+              <a:gd name="connsiteY3" fmla="*/ 2417060 h 4527734"/>
+              <a:gd name="connsiteX4" fmla="*/ 3831527 w 6720292"/>
+              <a:gd name="connsiteY4" fmla="*/ 856993 h 4527734"/>
+              <a:gd name="connsiteX5" fmla="*/ 3360146 w 6720292"/>
+              <a:gd name="connsiteY5" fmla="*/ 0 h 4527734"/>
+              <a:gd name="connsiteX6" fmla="*/ 6720292 w 6720292"/>
+              <a:gd name="connsiteY6" fmla="*/ 2263867 h 4527734"/>
+              <a:gd name="connsiteX7" fmla="*/ 3360146 w 6720292"/>
+              <a:gd name="connsiteY7" fmla="*/ 4527734 h 4527734"/>
+              <a:gd name="connsiteX8" fmla="*/ 0 w 6720292"/>
+              <a:gd name="connsiteY8" fmla="*/ 2263867 h 4527734"/>
+              <a:gd name="connsiteX9" fmla="*/ 3360146 w 6720292"/>
+              <a:gd name="connsiteY9" fmla="*/ 0 h 4527734"/>
+            </a:gdLst>
+            <a:ahLst/>
+            <a:cxnLst>
+              <a:cxn ang="0">
+                <a:pos x="connsiteX0" y="connsiteY0"/>
+              </a:cxn>
+              <a:cxn ang="0">
+                <a:pos x="connsiteX1" y="connsiteY1"/>
+              </a:cxn>
+              <a:cxn ang="0">
+                <a:pos x="connsiteX2" y="connsiteY2"/>
+              </a:cxn>
+              <a:cxn ang="0">
+                <a:pos x="connsiteX3" y="connsiteY3"/>
+              </a:cxn>
+              <a:cxn ang="0">
+                <a:pos x="connsiteX4" y="connsiteY4"/>
+              </a:cxn>
+              <a:cxn ang="0">
+                <a:pos x="connsiteX5" y="connsiteY5"/>
+              </a:cxn>
+              <a:cxn ang="0">
+                <a:pos x="connsiteX6" y="connsiteY6"/>
+              </a:cxn>
+              <a:cxn ang="0">
+                <a:pos x="connsiteX7" y="connsiteY7"/>
+              </a:cxn>
+              <a:cxn ang="0">
+                <a:pos x="connsiteX8" y="connsiteY8"/>
+              </a:cxn>
+              <a:cxn ang="0">
+                <a:pos x="connsiteX9" y="connsiteY9"/>
+              </a:cxn>
+            </a:cxnLst>
+            <a:rect l="l" t="t" r="r" b="b"/>
+            <a:pathLst>
+              <a:path w="6720292" h="4527734">
+                <a:moveTo>
+                  <a:pt x="3831527" y="856993"/>
+                </a:moveTo>
+                <a:cubicBezTo>
+                  <a:pt x="2442767" y="856993"/>
+                  <a:pt x="1316955" y="1555459"/>
+                  <a:pt x="1316955" y="2417060"/>
+                </a:cubicBezTo>
+                <a:cubicBezTo>
+                  <a:pt x="1316955" y="3278661"/>
+                  <a:pt x="2442767" y="3977127"/>
+                  <a:pt x="3831527" y="3977127"/>
+                </a:cubicBezTo>
+                <a:cubicBezTo>
+                  <a:pt x="5220287" y="3977127"/>
+                  <a:pt x="6346099" y="3278661"/>
+                  <a:pt x="6346099" y="2417060"/>
+                </a:cubicBezTo>
+                <a:cubicBezTo>
+                  <a:pt x="6346099" y="1555459"/>
+                  <a:pt x="5220287" y="856993"/>
+                  <a:pt x="3831527" y="856993"/>
+                </a:cubicBezTo>
+                <a:close/>
+                <a:moveTo>
+                  <a:pt x="3360146" y="0"/>
+                </a:moveTo>
+                <a:cubicBezTo>
+                  <a:pt x="5215903" y="0"/>
+                  <a:pt x="6720292" y="1013568"/>
+                  <a:pt x="6720292" y="2263867"/>
+                </a:cubicBezTo>
+                <a:cubicBezTo>
+                  <a:pt x="6720292" y="3514166"/>
+                  <a:pt x="5215903" y="4527734"/>
+                  <a:pt x="3360146" y="4527734"/>
+                </a:cubicBezTo>
+                <a:cubicBezTo>
+                  <a:pt x="1504389" y="4527734"/>
+                  <a:pt x="0" y="3514166"/>
+                  <a:pt x="0" y="2263867"/>
+                </a:cubicBezTo>
+                <a:cubicBezTo>
+                  <a:pt x="0" y="1013568"/>
+                  <a:pt x="1504389" y="0"/>
+                  <a:pt x="3360146" y="0"/>
+                </a:cubicBezTo>
+                <a:close/>
+              </a:path>
+            </a:pathLst>
+          </a:custGeom>
+          <a:gradFill>
+            <a:gsLst>
+              <a:gs pos="0">
+                <a:schemeClr val="bg1">
+                  <a:lumMod val="85000"/>
+                </a:schemeClr>
+              </a:gs>
+              <a:gs pos="100000">
+                <a:schemeClr val="bg1">
+                  <a:lumMod val="65000"/>
+                </a:schemeClr>
+              </a:gs>
+            </a:gsLst>
+            <a:lin ang="0" scaled="1"/>
+          </a:gradFill>
+          <a:ln>
+            <a:noFill/>
+          </a:ln>
+        </p:spPr>
+        <p:style>
+          <a:lnRef idx="2">
+            <a:schemeClr val="accent1">
+              <a:shade val="50000"/>
+            </a:schemeClr>
+          </a:lnRef>
+          <a:fillRef idx="1">
+            <a:schemeClr val="accent1"/>
+          </a:fillRef>
+          <a:effectRef idx="0">
+            <a:schemeClr val="accent1"/>
+          </a:effectRef>
+          <a:fontRef idx="minor">
+            <a:schemeClr val="lt1"/>
+          </a:fontRef>
+        </p:style>
+        <p:txBody>
+          <a:bodyPr rtlCol="0" anchor="ctr"/>
+          <a:lstStyle/>
+          <a:p>
+            <a:pPr algn="ctr"/>
+            <a:endParaRPr lang="ko-KR" altLang="en-US"/>
+          </a:p>
+        </p:txBody>
+      </p:sp>
+      <p:sp>
+        <p:nvSpPr>
+          <p:cNvPr id="5" name="TextBox 4">
+            <a:extLst>
+              <a:ext uri="{FF2B5EF4-FFF2-40B4-BE49-F238E27FC236}">
+                <a16:creationId xmlns:a16="http://schemas.microsoft.com/office/drawing/2014/main" id="{001AA595-1FC3-4923-BDCD-71E20BB268A2}"/>
+              </a:ext>
+            </a:extLst>
+          </p:cNvPr>
+          <p:cNvSpPr txBox="1"/>
+          <p:nvPr/>
+        </p:nvSpPr>
+        <p:spPr>
+          <a:xfrm>
+            <a:off x="2354383" y="351974"/>
+            <a:ext cx="4354077" cy="6524863"/>
+          </a:xfrm>
+          <a:prstGeom prst="rect">
+            <a:avLst/>
+          </a:prstGeom>
+          <a:noFill/>
+        </p:spPr>
+        <p:txBody>
+          <a:bodyPr wrap="none" rtlCol="0">
+            <a:spAutoFit/>
+          </a:bodyPr>
+          <a:lstStyle/>
+          <a:p>
+            <a:r>
+              <a:rPr lang="en-US" altLang="ko-KR" sz="41800" dirty="0">
+                <a:gradFill flip="none" rotWithShape="1">
+                  <a:gsLst>
+                    <a:gs pos="0">
+                      <a:schemeClr val="accent4"/>
+                    </a:gs>
+                    <a:gs pos="100000">
+                      <a:schemeClr val="accent4">
+                        <a:lumMod val="75000"/>
+                      </a:schemeClr>
+                    </a:gs>
+                  </a:gsLst>
+                  <a:lin ang="0" scaled="1"/>
+                  <a:tileRect/>
+                </a:gradFill>
+                <a:latin typeface="Arial Black" panose="020B0A04020102020204" pitchFamily="34" charset="0"/>
+                <a:cs typeface="Aharoni" panose="020B0604020202020204" pitchFamily="2" charset="-79"/>
+              </a:rPr>
+              <a:t>R</a:t>
+            </a:r>
+            <a:endParaRPr lang="ko-KR" altLang="en-US" sz="41800" dirty="0">
+              <a:gradFill flip="none" rotWithShape="1">
+                <a:gsLst>
+                  <a:gs pos="0">
+                    <a:schemeClr val="accent4"/>
+                  </a:gs>
+                  <a:gs pos="100000">
+                    <a:schemeClr val="accent4">
+                      <a:lumMod val="75000"/>
+                    </a:schemeClr>
+                  </a:gs>
+                </a:gsLst>
+                <a:lin ang="0" scaled="1"/>
+                <a:tileRect/>
+              </a:gradFill>
+              <a:latin typeface="Arial Black" panose="020B0A04020102020204" pitchFamily="34" charset="0"/>
+              <a:cs typeface="Aharoni" panose="020B0604020202020204" pitchFamily="2" charset="-79"/>
+            </a:endParaRPr>
+          </a:p>
+        </p:txBody>
+      </p:sp>
+    </p:spTree>
+    <p:extLst>
+      <p:ext uri="{BB962C8B-B14F-4D97-AF65-F5344CB8AC3E}">
+        <p14:creationId xmlns:p14="http://schemas.microsoft.com/office/powerpoint/2010/main" val="1164273454"/>
+      </p:ext>
+    </p:extLst>
+  </p:cSld>
+  <p:clrMapOvr>
+    <a:masterClrMapping/>
+  </p:clrMapOvr>
+</p:sld>
+</file>
+
+<file path=ppt/slides/slide3.xml><?xml version="1.0" encoding="utf-8"?>
+<p:sld xmlns:a="http://schemas.openxmlformats.org/drawingml/2006/main" xmlns:r="http://schemas.openxmlformats.org/officeDocument/2006/relationships" xmlns:p="http://schemas.openxmlformats.org/presentationml/2006/main">
+  <p:cSld>
+    <p:spTree>
+      <p:nvGrpSpPr>
+        <p:cNvPr id="1" name=""/>
+        <p:cNvGrpSpPr/>
+        <p:nvPr/>
+      </p:nvGrpSpPr>
+      <p:grpSpPr>
+        <a:xfrm>
+          <a:off x="0" y="0"/>
+          <a:ext cx="0" cy="0"/>
+          <a:chOff x="0" y="0"/>
+          <a:chExt cx="0" cy="0"/>
+        </a:xfrm>
+      </p:grpSpPr>
       <p:grpSp>
         <p:nvGrpSpPr>
-          <p:cNvPr id="4" name="그룹 3">
-            <a:extLst>
-              <a:ext uri="{FF2B5EF4-FFF2-40B4-BE49-F238E27FC236}">
-                <a16:creationId xmlns:a16="http://schemas.microsoft.com/office/drawing/2014/main" id="{D17353B1-22CA-4016-9368-B1E39BA1742B}"/>
+          <p:cNvPr id="8" name="그룹 7">
+            <a:extLst>
+              <a:ext uri="{FF2B5EF4-FFF2-40B4-BE49-F238E27FC236}">
+                <a16:creationId xmlns:a16="http://schemas.microsoft.com/office/drawing/2014/main" id="{078F4720-7A37-49E5-8D4A-164B8268665F}"/>
               </a:ext>
             </a:extLst>
           </p:cNvPr>
@@ -3665,214 +3730,254 @@
         </p:nvGrpSpPr>
         <p:grpSpPr>
           <a:xfrm>
-            <a:off x="693800" y="596012"/>
-            <a:ext cx="6720292" cy="6694918"/>
-            <a:chOff x="5177309" y="861483"/>
-            <a:chExt cx="6720292" cy="6694918"/>
+            <a:off x="607217" y="596012"/>
+            <a:ext cx="4887975" cy="5267483"/>
+            <a:chOff x="607217" y="596012"/>
+            <a:chExt cx="4887975" cy="5267483"/>
           </a:xfrm>
         </p:grpSpPr>
-        <p:sp>
-          <p:nvSpPr>
-            <p:cNvPr id="5" name="자유형: 도형 4">
+        <p:grpSp>
+          <p:nvGrpSpPr>
+            <p:cNvPr id="4" name="그룹 3">
               <a:extLst>
                 <a:ext uri="{FF2B5EF4-FFF2-40B4-BE49-F238E27FC236}">
-                  <a16:creationId xmlns:a16="http://schemas.microsoft.com/office/drawing/2014/main" id="{FB69288B-7A64-4E6E-BC14-FA0AEED841A1}"/>
+                  <a16:creationId xmlns:a16="http://schemas.microsoft.com/office/drawing/2014/main" id="{D17353B1-22CA-4016-9368-B1E39BA1742B}"/>
                 </a:ext>
               </a:extLst>
             </p:cNvPr>
-            <p:cNvSpPr/>
+            <p:cNvGrpSpPr/>
             <p:nvPr/>
-          </p:nvSpPr>
-          <p:spPr>
+          </p:nvGrpSpPr>
+          <p:grpSpPr>
             <a:xfrm>
-              <a:off x="5177309" y="861483"/>
-              <a:ext cx="6720292" cy="4527734"/>
+              <a:off x="693800" y="596012"/>
+              <a:ext cx="4801392" cy="3202265"/>
+              <a:chOff x="5177309" y="861483"/>
+              <a:chExt cx="6720292" cy="4725148"/>
             </a:xfrm>
-            <a:custGeom>
-              <a:avLst/>
-              <a:gdLst>
-                <a:gd name="connsiteX0" fmla="*/ 3831527 w 6720292"/>
-                <a:gd name="connsiteY0" fmla="*/ 856993 h 4527734"/>
-                <a:gd name="connsiteX1" fmla="*/ 1316955 w 6720292"/>
-                <a:gd name="connsiteY1" fmla="*/ 2417060 h 4527734"/>
-                <a:gd name="connsiteX2" fmla="*/ 3831527 w 6720292"/>
-                <a:gd name="connsiteY2" fmla="*/ 3977127 h 4527734"/>
-                <a:gd name="connsiteX3" fmla="*/ 6346099 w 6720292"/>
-                <a:gd name="connsiteY3" fmla="*/ 2417060 h 4527734"/>
-                <a:gd name="connsiteX4" fmla="*/ 3831527 w 6720292"/>
-                <a:gd name="connsiteY4" fmla="*/ 856993 h 4527734"/>
-                <a:gd name="connsiteX5" fmla="*/ 3360146 w 6720292"/>
-                <a:gd name="connsiteY5" fmla="*/ 0 h 4527734"/>
-                <a:gd name="connsiteX6" fmla="*/ 6720292 w 6720292"/>
-                <a:gd name="connsiteY6" fmla="*/ 2263867 h 4527734"/>
-                <a:gd name="connsiteX7" fmla="*/ 3360146 w 6720292"/>
-                <a:gd name="connsiteY7" fmla="*/ 4527734 h 4527734"/>
-                <a:gd name="connsiteX8" fmla="*/ 0 w 6720292"/>
-                <a:gd name="connsiteY8" fmla="*/ 2263867 h 4527734"/>
-                <a:gd name="connsiteX9" fmla="*/ 3360146 w 6720292"/>
-                <a:gd name="connsiteY9" fmla="*/ 0 h 4527734"/>
-              </a:gdLst>
-              <a:ahLst/>
-              <a:cxnLst>
-                <a:cxn ang="0">
-                  <a:pos x="connsiteX0" y="connsiteY0"/>
-                </a:cxn>
-                <a:cxn ang="0">
-                  <a:pos x="connsiteX1" y="connsiteY1"/>
-                </a:cxn>
-                <a:cxn ang="0">
-                  <a:pos x="connsiteX2" y="connsiteY2"/>
-                </a:cxn>
-                <a:cxn ang="0">
-                  <a:pos x="connsiteX3" y="connsiteY3"/>
-                </a:cxn>
-                <a:cxn ang="0">
-                  <a:pos x="connsiteX4" y="connsiteY4"/>
-                </a:cxn>
-                <a:cxn ang="0">
-                  <a:pos x="connsiteX5" y="connsiteY5"/>
-                </a:cxn>
-                <a:cxn ang="0">
-                  <a:pos x="connsiteX6" y="connsiteY6"/>
-                </a:cxn>
-                <a:cxn ang="0">
-                  <a:pos x="connsiteX7" y="connsiteY7"/>
-                </a:cxn>
-                <a:cxn ang="0">
-                  <a:pos x="connsiteX8" y="connsiteY8"/>
-                </a:cxn>
-                <a:cxn ang="0">
-                  <a:pos x="connsiteX9" y="connsiteY9"/>
-                </a:cxn>
-              </a:cxnLst>
-              <a:rect l="l" t="t" r="r" b="b"/>
-              <a:pathLst>
-                <a:path w="6720292" h="4527734">
-                  <a:moveTo>
-                    <a:pt x="3831527" y="856993"/>
-                  </a:moveTo>
-                  <a:cubicBezTo>
-                    <a:pt x="2442767" y="856993"/>
-                    <a:pt x="1316955" y="1555459"/>
-                    <a:pt x="1316955" y="2417060"/>
-                  </a:cubicBezTo>
-                  <a:cubicBezTo>
-                    <a:pt x="1316955" y="3278661"/>
-                    <a:pt x="2442767" y="3977127"/>
-                    <a:pt x="3831527" y="3977127"/>
-                  </a:cubicBezTo>
-                  <a:cubicBezTo>
-                    <a:pt x="5220287" y="3977127"/>
-                    <a:pt x="6346099" y="3278661"/>
-                    <a:pt x="6346099" y="2417060"/>
-                  </a:cubicBezTo>
-                  <a:cubicBezTo>
-                    <a:pt x="6346099" y="1555459"/>
-                    <a:pt x="5220287" y="856993"/>
-                    <a:pt x="3831527" y="856993"/>
-                  </a:cubicBezTo>
-                  <a:close/>
-                  <a:moveTo>
-                    <a:pt x="3360146" y="0"/>
-                  </a:moveTo>
-                  <a:cubicBezTo>
-                    <a:pt x="5215903" y="0"/>
-                    <a:pt x="6720292" y="1013568"/>
-                    <a:pt x="6720292" y="2263867"/>
-                  </a:cubicBezTo>
-                  <a:cubicBezTo>
-                    <a:pt x="6720292" y="3514166"/>
-                    <a:pt x="5215903" y="4527734"/>
-                    <a:pt x="3360146" y="4527734"/>
-                  </a:cubicBezTo>
-                  <a:cubicBezTo>
-                    <a:pt x="1504389" y="4527734"/>
-                    <a:pt x="0" y="3514166"/>
-                    <a:pt x="0" y="2263867"/>
-                  </a:cubicBezTo>
-                  <a:cubicBezTo>
-                    <a:pt x="0" y="1013568"/>
-                    <a:pt x="1504389" y="0"/>
-                    <a:pt x="3360146" y="0"/>
-                  </a:cubicBezTo>
-                  <a:close/>
-                </a:path>
-              </a:pathLst>
-            </a:custGeom>
-            <a:gradFill>
-              <a:gsLst>
-                <a:gs pos="0">
-                  <a:schemeClr val="bg1">
-                    <a:lumMod val="85000"/>
-                  </a:schemeClr>
-                </a:gs>
-                <a:gs pos="100000">
-                  <a:schemeClr val="bg1">
-                    <a:lumMod val="65000"/>
-                  </a:schemeClr>
-                </a:gs>
-              </a:gsLst>
-              <a:lin ang="0" scaled="1"/>
-            </a:gradFill>
-            <a:ln>
+          </p:grpSpPr>
+          <p:sp>
+            <p:nvSpPr>
+              <p:cNvPr id="5" name="자유형: 도형 4">
+                <a:extLst>
+                  <a:ext uri="{FF2B5EF4-FFF2-40B4-BE49-F238E27FC236}">
+                    <a16:creationId xmlns:a16="http://schemas.microsoft.com/office/drawing/2014/main" id="{FB69288B-7A64-4E6E-BC14-FA0AEED841A1}"/>
+                  </a:ext>
+                </a:extLst>
+              </p:cNvPr>
+              <p:cNvSpPr/>
+              <p:nvPr/>
+            </p:nvSpPr>
+            <p:spPr>
+              <a:xfrm>
+                <a:off x="5177309" y="861483"/>
+                <a:ext cx="6720292" cy="4527734"/>
+              </a:xfrm>
+              <a:custGeom>
+                <a:avLst/>
+                <a:gdLst>
+                  <a:gd name="connsiteX0" fmla="*/ 3831527 w 6720292"/>
+                  <a:gd name="connsiteY0" fmla="*/ 856993 h 4527734"/>
+                  <a:gd name="connsiteX1" fmla="*/ 1316955 w 6720292"/>
+                  <a:gd name="connsiteY1" fmla="*/ 2417060 h 4527734"/>
+                  <a:gd name="connsiteX2" fmla="*/ 3831527 w 6720292"/>
+                  <a:gd name="connsiteY2" fmla="*/ 3977127 h 4527734"/>
+                  <a:gd name="connsiteX3" fmla="*/ 6346099 w 6720292"/>
+                  <a:gd name="connsiteY3" fmla="*/ 2417060 h 4527734"/>
+                  <a:gd name="connsiteX4" fmla="*/ 3831527 w 6720292"/>
+                  <a:gd name="connsiteY4" fmla="*/ 856993 h 4527734"/>
+                  <a:gd name="connsiteX5" fmla="*/ 3360146 w 6720292"/>
+                  <a:gd name="connsiteY5" fmla="*/ 0 h 4527734"/>
+                  <a:gd name="connsiteX6" fmla="*/ 6720292 w 6720292"/>
+                  <a:gd name="connsiteY6" fmla="*/ 2263867 h 4527734"/>
+                  <a:gd name="connsiteX7" fmla="*/ 3360146 w 6720292"/>
+                  <a:gd name="connsiteY7" fmla="*/ 4527734 h 4527734"/>
+                  <a:gd name="connsiteX8" fmla="*/ 0 w 6720292"/>
+                  <a:gd name="connsiteY8" fmla="*/ 2263867 h 4527734"/>
+                  <a:gd name="connsiteX9" fmla="*/ 3360146 w 6720292"/>
+                  <a:gd name="connsiteY9" fmla="*/ 0 h 4527734"/>
+                </a:gdLst>
+                <a:ahLst/>
+                <a:cxnLst>
+                  <a:cxn ang="0">
+                    <a:pos x="connsiteX0" y="connsiteY0"/>
+                  </a:cxn>
+                  <a:cxn ang="0">
+                    <a:pos x="connsiteX1" y="connsiteY1"/>
+                  </a:cxn>
+                  <a:cxn ang="0">
+                    <a:pos x="connsiteX2" y="connsiteY2"/>
+                  </a:cxn>
+                  <a:cxn ang="0">
+                    <a:pos x="connsiteX3" y="connsiteY3"/>
+                  </a:cxn>
+                  <a:cxn ang="0">
+                    <a:pos x="connsiteX4" y="connsiteY4"/>
+                  </a:cxn>
+                  <a:cxn ang="0">
+                    <a:pos x="connsiteX5" y="connsiteY5"/>
+                  </a:cxn>
+                  <a:cxn ang="0">
+                    <a:pos x="connsiteX6" y="connsiteY6"/>
+                  </a:cxn>
+                  <a:cxn ang="0">
+                    <a:pos x="connsiteX7" y="connsiteY7"/>
+                  </a:cxn>
+                  <a:cxn ang="0">
+                    <a:pos x="connsiteX8" y="connsiteY8"/>
+                  </a:cxn>
+                  <a:cxn ang="0">
+                    <a:pos x="connsiteX9" y="connsiteY9"/>
+                  </a:cxn>
+                </a:cxnLst>
+                <a:rect l="l" t="t" r="r" b="b"/>
+                <a:pathLst>
+                  <a:path w="6720292" h="4527734">
+                    <a:moveTo>
+                      <a:pt x="3831527" y="856993"/>
+                    </a:moveTo>
+                    <a:cubicBezTo>
+                      <a:pt x="2442767" y="856993"/>
+                      <a:pt x="1316955" y="1555459"/>
+                      <a:pt x="1316955" y="2417060"/>
+                    </a:cubicBezTo>
+                    <a:cubicBezTo>
+                      <a:pt x="1316955" y="3278661"/>
+                      <a:pt x="2442767" y="3977127"/>
+                      <a:pt x="3831527" y="3977127"/>
+                    </a:cubicBezTo>
+                    <a:cubicBezTo>
+                      <a:pt x="5220287" y="3977127"/>
+                      <a:pt x="6346099" y="3278661"/>
+                      <a:pt x="6346099" y="2417060"/>
+                    </a:cubicBezTo>
+                    <a:cubicBezTo>
+                      <a:pt x="6346099" y="1555459"/>
+                      <a:pt x="5220287" y="856993"/>
+                      <a:pt x="3831527" y="856993"/>
+                    </a:cubicBezTo>
+                    <a:close/>
+                    <a:moveTo>
+                      <a:pt x="3360146" y="0"/>
+                    </a:moveTo>
+                    <a:cubicBezTo>
+                      <a:pt x="5215903" y="0"/>
+                      <a:pt x="6720292" y="1013568"/>
+                      <a:pt x="6720292" y="2263867"/>
+                    </a:cubicBezTo>
+                    <a:cubicBezTo>
+                      <a:pt x="6720292" y="3514166"/>
+                      <a:pt x="5215903" y="4527734"/>
+                      <a:pt x="3360146" y="4527734"/>
+                    </a:cubicBezTo>
+                    <a:cubicBezTo>
+                      <a:pt x="1504389" y="4527734"/>
+                      <a:pt x="0" y="3514166"/>
+                      <a:pt x="0" y="2263867"/>
+                    </a:cubicBezTo>
+                    <a:cubicBezTo>
+                      <a:pt x="0" y="1013568"/>
+                      <a:pt x="1504389" y="0"/>
+                      <a:pt x="3360146" y="0"/>
+                    </a:cubicBezTo>
+                    <a:close/>
+                  </a:path>
+                </a:pathLst>
+              </a:custGeom>
+              <a:gradFill>
+                <a:gsLst>
+                  <a:gs pos="0">
+                    <a:schemeClr val="bg1">
+                      <a:lumMod val="85000"/>
+                    </a:schemeClr>
+                  </a:gs>
+                  <a:gs pos="100000">
+                    <a:schemeClr val="bg1">
+                      <a:lumMod val="65000"/>
+                    </a:schemeClr>
+                  </a:gs>
+                </a:gsLst>
+                <a:lin ang="0" scaled="1"/>
+              </a:gradFill>
+              <a:ln>
+                <a:noFill/>
+              </a:ln>
+            </p:spPr>
+            <p:style>
+              <a:lnRef idx="2">
+                <a:schemeClr val="accent1">
+                  <a:shade val="50000"/>
+                </a:schemeClr>
+              </a:lnRef>
+              <a:fillRef idx="1">
+                <a:schemeClr val="accent1"/>
+              </a:fillRef>
+              <a:effectRef idx="0">
+                <a:schemeClr val="accent1"/>
+              </a:effectRef>
+              <a:fontRef idx="minor">
+                <a:schemeClr val="lt1"/>
+              </a:fontRef>
+            </p:style>
+            <p:txBody>
+              <a:bodyPr rtlCol="0" anchor="ctr"/>
+              <a:lstStyle/>
+              <a:p>
+                <a:pPr algn="ctr"/>
+                <a:endParaRPr lang="ko-KR" altLang="en-US"/>
+              </a:p>
+            </p:txBody>
+          </p:sp>
+          <p:sp>
+            <p:nvSpPr>
+              <p:cNvPr id="6" name="TextBox 5">
+                <a:extLst>
+                  <a:ext uri="{FF2B5EF4-FFF2-40B4-BE49-F238E27FC236}">
+                    <a16:creationId xmlns:a16="http://schemas.microsoft.com/office/drawing/2014/main" id="{3BFC4D4B-67CE-49F1-92BE-8648AEC60D74}"/>
+                  </a:ext>
+                </a:extLst>
+              </p:cNvPr>
+              <p:cNvSpPr txBox="1"/>
+              <p:nvPr/>
+            </p:nvSpPr>
+            <p:spPr>
+              <a:xfrm>
+                <a:off x="7142693" y="1031538"/>
+                <a:ext cx="3078087" cy="4555093"/>
+              </a:xfrm>
+              <a:prstGeom prst="rect">
+                <a:avLst/>
+              </a:prstGeom>
               <a:noFill/>
-            </a:ln>
-          </p:spPr>
-          <p:style>
-            <a:lnRef idx="2">
-              <a:schemeClr val="accent1">
-                <a:shade val="50000"/>
-              </a:schemeClr>
-            </a:lnRef>
-            <a:fillRef idx="1">
-              <a:schemeClr val="accent1"/>
-            </a:fillRef>
-            <a:effectRef idx="0">
-              <a:schemeClr val="accent1"/>
-            </a:effectRef>
-            <a:fontRef idx="minor">
-              <a:schemeClr val="lt1"/>
-            </a:fontRef>
-          </p:style>
-          <p:txBody>
-            <a:bodyPr rtlCol="0" anchor="ctr"/>
-            <a:lstStyle/>
-            <a:p>
-              <a:pPr algn="ctr"/>
-              <a:endParaRPr lang="ko-KR" altLang="en-US"/>
-            </a:p>
-          </p:txBody>
-        </p:sp>
-        <p:sp>
-          <p:nvSpPr>
-            <p:cNvPr id="6" name="TextBox 5">
-              <a:extLst>
-                <a:ext uri="{FF2B5EF4-FFF2-40B4-BE49-F238E27FC236}">
-                  <a16:creationId xmlns:a16="http://schemas.microsoft.com/office/drawing/2014/main" id="{3BFC4D4B-67CE-49F1-92BE-8648AEC60D74}"/>
-                </a:ext>
-              </a:extLst>
-            </p:cNvPr>
-            <p:cNvSpPr txBox="1"/>
-            <p:nvPr/>
-          </p:nvSpPr>
-          <p:spPr>
-            <a:xfrm>
-              <a:off x="7142693" y="1031538"/>
-              <a:ext cx="4354077" cy="6524863"/>
-            </a:xfrm>
-            <a:prstGeom prst="rect">
-              <a:avLst/>
-            </a:prstGeom>
-            <a:noFill/>
-          </p:spPr>
-          <p:txBody>
-            <a:bodyPr wrap="none" rtlCol="0">
-              <a:spAutoFit/>
-            </a:bodyPr>
-            <a:lstStyle/>
-            <a:p>
-              <a:r>
-                <a:rPr lang="en-US" altLang="ko-KR" sz="41800" dirty="0">
+            </p:spPr>
+            <p:txBody>
+              <a:bodyPr wrap="none" rtlCol="0">
+                <a:spAutoFit/>
+              </a:bodyPr>
+              <a:lstStyle/>
+              <a:p>
+                <a:r>
+                  <a:rPr lang="en-US" altLang="ko-KR" sz="29000" dirty="0">
+                    <a:gradFill flip="none" rotWithShape="1">
+                      <a:gsLst>
+                        <a:gs pos="0">
+                          <a:schemeClr val="accent4"/>
+                        </a:gs>
+                        <a:gs pos="100000">
+                          <a:schemeClr val="accent4">
+                            <a:lumMod val="75000"/>
+                          </a:schemeClr>
+                        </a:gs>
+                      </a:gsLst>
+                      <a:lin ang="0" scaled="1"/>
+                      <a:tileRect/>
+                    </a:gradFill>
+                    <a:latin typeface="Arial Black" panose="020B0A04020102020204" pitchFamily="34" charset="0"/>
+                    <a:cs typeface="Aharoni" panose="020B0604020202020204" pitchFamily="2" charset="-79"/>
+                  </a:rPr>
+                  <a:t>R</a:t>
+                </a:r>
+                <a:endParaRPr lang="ko-KR" altLang="en-US" sz="29000" dirty="0">
                   <a:gradFill flip="none" rotWithShape="1">
                     <a:gsLst>
                       <a:gs pos="0">
@@ -3889,26 +3994,135 @@
                   </a:gradFill>
                   <a:latin typeface="Arial Black" panose="020B0A04020102020204" pitchFamily="34" charset="0"/>
                   <a:cs typeface="Aharoni" panose="020B0604020202020204" pitchFamily="2" charset="-79"/>
+                </a:endParaRPr>
+              </a:p>
+            </p:txBody>
+          </p:sp>
+        </p:grpSp>
+        <p:sp>
+          <p:nvSpPr>
+            <p:cNvPr id="2" name="TextBox 1">
+              <a:extLst>
+                <a:ext uri="{FF2B5EF4-FFF2-40B4-BE49-F238E27FC236}">
+                  <a16:creationId xmlns:a16="http://schemas.microsoft.com/office/drawing/2014/main" id="{3DC91E21-0A25-4E59-97E8-EDCAEAA06C95}"/>
+                </a:ext>
+              </a:extLst>
+            </p:cNvPr>
+            <p:cNvSpPr txBox="1"/>
+            <p:nvPr/>
+          </p:nvSpPr>
+          <p:spPr>
+            <a:xfrm>
+              <a:off x="607217" y="4001447"/>
+              <a:ext cx="4870821" cy="1862048"/>
+            </a:xfrm>
+            <a:prstGeom prst="rect">
+              <a:avLst/>
+            </a:prstGeom>
+            <a:noFill/>
+          </p:spPr>
+          <p:txBody>
+            <a:bodyPr wrap="none" rtlCol="0">
+              <a:spAutoFit/>
+            </a:bodyPr>
+            <a:lstStyle/>
+            <a:p>
+              <a:r>
+                <a:rPr lang="en-US" altLang="ko-KR" sz="11500" dirty="0" err="1">
+                  <a:solidFill>
+                    <a:schemeClr val="bg1">
+                      <a:lumMod val="75000"/>
+                    </a:schemeClr>
+                  </a:solidFill>
+                  <a:latin typeface="나눔바른고딕" panose="020B0603020101020101" pitchFamily="50" charset="-127"/>
+                  <a:ea typeface="나눔바른고딕" panose="020B0603020101020101" pitchFamily="50" charset="-127"/>
                 </a:rPr>
-                <a:t>R</a:t>
+                <a:t>coho</a:t>
               </a:r>
-              <a:endParaRPr lang="ko-KR" altLang="en-US" sz="41800" dirty="0">
-                <a:gradFill flip="none" rotWithShape="1">
-                  <a:gsLst>
-                    <a:gs pos="0">
-                      <a:schemeClr val="accent4"/>
-                    </a:gs>
-                    <a:gs pos="100000">
-                      <a:schemeClr val="accent4">
-                        <a:lumMod val="75000"/>
-                      </a:schemeClr>
-                    </a:gs>
-                  </a:gsLst>
-                  <a:lin ang="0" scaled="1"/>
-                  <a:tileRect/>
-                </a:gradFill>
-                <a:latin typeface="Arial Black" panose="020B0A04020102020204" pitchFamily="34" charset="0"/>
-                <a:cs typeface="Aharoni" panose="020B0604020202020204" pitchFamily="2" charset="-79"/>
+              <a:r>
+                <a:rPr lang="en-US" altLang="ko-KR" sz="11500" dirty="0">
+                  <a:solidFill>
+                    <a:schemeClr val="bg1">
+                      <a:lumMod val="75000"/>
+                    </a:schemeClr>
+                  </a:solidFill>
+                  <a:latin typeface="나눔바른고딕" panose="020B0603020101020101" pitchFamily="50" charset="-127"/>
+                  <a:ea typeface="나눔바른고딕" panose="020B0603020101020101" pitchFamily="50" charset="-127"/>
+                </a:rPr>
+                <a:t> </a:t>
+              </a:r>
+              <a:r>
+                <a:rPr lang="en-US" altLang="ko-KR" sz="11500" dirty="0" err="1">
+                  <a:solidFill>
+                    <a:schemeClr val="bg1">
+                      <a:lumMod val="75000"/>
+                    </a:schemeClr>
+                  </a:solidFill>
+                  <a:latin typeface="나눔바른고딕" panose="020B0603020101020101" pitchFamily="50" charset="-127"/>
+                  <a:ea typeface="나눔바른고딕" panose="020B0603020101020101" pitchFamily="50" charset="-127"/>
+                </a:rPr>
+                <a:t>ic</a:t>
+              </a:r>
+              <a:endParaRPr lang="ko-KR" altLang="en-US" sz="11500" dirty="0">
+                <a:solidFill>
+                  <a:schemeClr val="bg1">
+                    <a:lumMod val="75000"/>
+                  </a:schemeClr>
+                </a:solidFill>
+                <a:latin typeface="나눔바른고딕" panose="020B0603020101020101" pitchFamily="50" charset="-127"/>
+                <a:ea typeface="나눔바른고딕" panose="020B0603020101020101" pitchFamily="50" charset="-127"/>
+              </a:endParaRPr>
+            </a:p>
+          </p:txBody>
+        </p:sp>
+        <p:sp>
+          <p:nvSpPr>
+            <p:cNvPr id="7" name="TextBox 6">
+              <a:extLst>
+                <a:ext uri="{FF2B5EF4-FFF2-40B4-BE49-F238E27FC236}">
+                  <a16:creationId xmlns:a16="http://schemas.microsoft.com/office/drawing/2014/main" id="{48A3E17A-F8F7-411C-BBF4-D8885BD5061B}"/>
+                </a:ext>
+              </a:extLst>
+            </p:cNvPr>
+            <p:cNvSpPr txBox="1"/>
+            <p:nvPr/>
+          </p:nvSpPr>
+          <p:spPr>
+            <a:xfrm>
+              <a:off x="3819806" y="4001447"/>
+              <a:ext cx="543739" cy="1862048"/>
+            </a:xfrm>
+            <a:prstGeom prst="rect">
+              <a:avLst/>
+            </a:prstGeom>
+            <a:noFill/>
+          </p:spPr>
+          <p:txBody>
+            <a:bodyPr wrap="none" rtlCol="0">
+              <a:spAutoFit/>
+            </a:bodyPr>
+            <a:lstStyle/>
+            <a:p>
+              <a:r>
+                <a:rPr lang="en-US" altLang="ko-KR" sz="11500" dirty="0">
+                  <a:solidFill>
+                    <a:schemeClr val="bg1">
+                      <a:lumMod val="75000"/>
+                    </a:schemeClr>
+                  </a:solidFill>
+                  <a:latin typeface="나눔바른고딕" panose="020B0603020101020101" pitchFamily="50" charset="-127"/>
+                  <a:ea typeface="나눔바른고딕" panose="020B0603020101020101" pitchFamily="50" charset="-127"/>
+                </a:rPr>
+                <a:t>l</a:t>
+              </a:r>
+              <a:endParaRPr lang="ko-KR" altLang="en-US" sz="11500" dirty="0">
+                <a:solidFill>
+                  <a:schemeClr val="bg1">
+                    <a:lumMod val="75000"/>
+                  </a:schemeClr>
+                </a:solidFill>
+                <a:latin typeface="나눔바른고딕" panose="020B0603020101020101" pitchFamily="50" charset="-127"/>
+                <a:ea typeface="나눔바른고딕" panose="020B0603020101020101" pitchFamily="50" charset="-127"/>
               </a:endParaRPr>
             </a:p>
           </p:txBody>

--- a/logo.pptx
+++ b/logo.pptx
@@ -8,6 +8,7 @@
     <p:sldId id="256" r:id="rId2"/>
     <p:sldId id="258" r:id="rId3"/>
     <p:sldId id="257" r:id="rId4"/>
+    <p:sldId id="259" r:id="rId5"/>
   </p:sldIdLst>
   <p:sldSz cx="12192000" cy="6858000"/>
   <p:notesSz cx="6858000" cy="9144000"/>
@@ -261,7 +262,7 @@
           <a:p>
             <a:fld id="{04FEB9F5-FF69-4D83-A39A-00F6D4776751}" type="datetimeFigureOut">
               <a:rPr lang="ko-KR" altLang="en-US" smtClean="0"/>
-              <a:t>2019-01-29</a:t>
+              <a:t>2019-02-03</a:t>
             </a:fld>
             <a:endParaRPr lang="ko-KR" altLang="en-US"/>
           </a:p>
@@ -459,7 +460,7 @@
           <a:p>
             <a:fld id="{04FEB9F5-FF69-4D83-A39A-00F6D4776751}" type="datetimeFigureOut">
               <a:rPr lang="ko-KR" altLang="en-US" smtClean="0"/>
-              <a:t>2019-01-29</a:t>
+              <a:t>2019-02-03</a:t>
             </a:fld>
             <a:endParaRPr lang="ko-KR" altLang="en-US"/>
           </a:p>
@@ -667,7 +668,7 @@
           <a:p>
             <a:fld id="{04FEB9F5-FF69-4D83-A39A-00F6D4776751}" type="datetimeFigureOut">
               <a:rPr lang="ko-KR" altLang="en-US" smtClean="0"/>
-              <a:t>2019-01-29</a:t>
+              <a:t>2019-02-03</a:t>
             </a:fld>
             <a:endParaRPr lang="ko-KR" altLang="en-US"/>
           </a:p>
@@ -865,7 +866,7 @@
           <a:p>
             <a:fld id="{04FEB9F5-FF69-4D83-A39A-00F6D4776751}" type="datetimeFigureOut">
               <a:rPr lang="ko-KR" altLang="en-US" smtClean="0"/>
-              <a:t>2019-01-29</a:t>
+              <a:t>2019-02-03</a:t>
             </a:fld>
             <a:endParaRPr lang="ko-KR" altLang="en-US"/>
           </a:p>
@@ -1140,7 +1141,7 @@
           <a:p>
             <a:fld id="{04FEB9F5-FF69-4D83-A39A-00F6D4776751}" type="datetimeFigureOut">
               <a:rPr lang="ko-KR" altLang="en-US" smtClean="0"/>
-              <a:t>2019-01-29</a:t>
+              <a:t>2019-02-03</a:t>
             </a:fld>
             <a:endParaRPr lang="ko-KR" altLang="en-US"/>
           </a:p>
@@ -1405,7 +1406,7 @@
           <a:p>
             <a:fld id="{04FEB9F5-FF69-4D83-A39A-00F6D4776751}" type="datetimeFigureOut">
               <a:rPr lang="ko-KR" altLang="en-US" smtClean="0"/>
-              <a:t>2019-01-29</a:t>
+              <a:t>2019-02-03</a:t>
             </a:fld>
             <a:endParaRPr lang="ko-KR" altLang="en-US"/>
           </a:p>
@@ -1817,7 +1818,7 @@
           <a:p>
             <a:fld id="{04FEB9F5-FF69-4D83-A39A-00F6D4776751}" type="datetimeFigureOut">
               <a:rPr lang="ko-KR" altLang="en-US" smtClean="0"/>
-              <a:t>2019-01-29</a:t>
+              <a:t>2019-02-03</a:t>
             </a:fld>
             <a:endParaRPr lang="ko-KR" altLang="en-US"/>
           </a:p>
@@ -1958,7 +1959,7 @@
           <a:p>
             <a:fld id="{04FEB9F5-FF69-4D83-A39A-00F6D4776751}" type="datetimeFigureOut">
               <a:rPr lang="ko-KR" altLang="en-US" smtClean="0"/>
-              <a:t>2019-01-29</a:t>
+              <a:t>2019-02-03</a:t>
             </a:fld>
             <a:endParaRPr lang="ko-KR" altLang="en-US"/>
           </a:p>
@@ -2071,7 +2072,7 @@
           <a:p>
             <a:fld id="{04FEB9F5-FF69-4D83-A39A-00F6D4776751}" type="datetimeFigureOut">
               <a:rPr lang="ko-KR" altLang="en-US" smtClean="0"/>
-              <a:t>2019-01-29</a:t>
+              <a:t>2019-02-03</a:t>
             </a:fld>
             <a:endParaRPr lang="ko-KR" altLang="en-US"/>
           </a:p>
@@ -2382,7 +2383,7 @@
           <a:p>
             <a:fld id="{04FEB9F5-FF69-4D83-A39A-00F6D4776751}" type="datetimeFigureOut">
               <a:rPr lang="ko-KR" altLang="en-US" smtClean="0"/>
-              <a:t>2019-01-29</a:t>
+              <a:t>2019-02-03</a:t>
             </a:fld>
             <a:endParaRPr lang="ko-KR" altLang="en-US"/>
           </a:p>
@@ -2670,7 +2671,7 @@
           <a:p>
             <a:fld id="{04FEB9F5-FF69-4D83-A39A-00F6D4776751}" type="datetimeFigureOut">
               <a:rPr lang="ko-KR" altLang="en-US" smtClean="0"/>
-              <a:t>2019-01-29</a:t>
+              <a:t>2019-02-03</a:t>
             </a:fld>
             <a:endParaRPr lang="ko-KR" altLang="en-US"/>
           </a:p>
@@ -2911,7 +2912,7 @@
           <a:p>
             <a:fld id="{04FEB9F5-FF69-4D83-A39A-00F6D4776751}" type="datetimeFigureOut">
               <a:rPr lang="ko-KR" altLang="en-US" smtClean="0"/>
-              <a:t>2019-01-29</a:t>
+              <a:t>2019-02-03</a:t>
             </a:fld>
             <a:endParaRPr lang="ko-KR" altLang="en-US"/>
           </a:p>
@@ -3718,10 +3719,10 @@
       </p:grpSpPr>
       <p:grpSp>
         <p:nvGrpSpPr>
-          <p:cNvPr id="8" name="그룹 7">
-            <a:extLst>
-              <a:ext uri="{FF2B5EF4-FFF2-40B4-BE49-F238E27FC236}">
-                <a16:creationId xmlns:a16="http://schemas.microsoft.com/office/drawing/2014/main" id="{078F4720-7A37-49E5-8D4A-164B8268665F}"/>
+          <p:cNvPr id="11" name="그룹 10">
+            <a:extLst>
+              <a:ext uri="{FF2B5EF4-FFF2-40B4-BE49-F238E27FC236}">
+                <a16:creationId xmlns:a16="http://schemas.microsoft.com/office/drawing/2014/main" id="{CA9DE35D-68D9-4C6A-8DD2-E8948A5BF83B}"/>
               </a:ext>
             </a:extLst>
           </p:cNvPr>
@@ -3730,18 +3731,18 @@
         </p:nvGrpSpPr>
         <p:grpSpPr>
           <a:xfrm>
-            <a:off x="607217" y="596012"/>
-            <a:ext cx="4887975" cy="5267483"/>
-            <a:chOff x="607217" y="596012"/>
-            <a:chExt cx="4887975" cy="5267483"/>
+            <a:off x="536327" y="596012"/>
+            <a:ext cx="5087483" cy="5276276"/>
+            <a:chOff x="536327" y="596012"/>
+            <a:chExt cx="5087483" cy="5276276"/>
           </a:xfrm>
         </p:grpSpPr>
         <p:grpSp>
           <p:nvGrpSpPr>
-            <p:cNvPr id="4" name="그룹 3">
+            <p:cNvPr id="8" name="그룹 7">
               <a:extLst>
                 <a:ext uri="{FF2B5EF4-FFF2-40B4-BE49-F238E27FC236}">
-                  <a16:creationId xmlns:a16="http://schemas.microsoft.com/office/drawing/2014/main" id="{D17353B1-22CA-4016-9368-B1E39BA1742B}"/>
+                  <a16:creationId xmlns:a16="http://schemas.microsoft.com/office/drawing/2014/main" id="{078F4720-7A37-49E5-8D4A-164B8268665F}"/>
                 </a:ext>
               </a:extLst>
             </p:cNvPr>
@@ -3750,214 +3751,254 @@
           </p:nvGrpSpPr>
           <p:grpSpPr>
             <a:xfrm>
-              <a:off x="693800" y="596012"/>
-              <a:ext cx="4801392" cy="3202265"/>
-              <a:chOff x="5177309" y="861483"/>
-              <a:chExt cx="6720292" cy="4725148"/>
+              <a:off x="536327" y="596012"/>
+              <a:ext cx="5087483" cy="5276276"/>
+              <a:chOff x="536327" y="596012"/>
+              <a:chExt cx="5087483" cy="5276276"/>
             </a:xfrm>
           </p:grpSpPr>
-          <p:sp>
-            <p:nvSpPr>
-              <p:cNvPr id="5" name="자유형: 도형 4">
+          <p:grpSp>
+            <p:nvGrpSpPr>
+              <p:cNvPr id="4" name="그룹 3">
                 <a:extLst>
                   <a:ext uri="{FF2B5EF4-FFF2-40B4-BE49-F238E27FC236}">
-                    <a16:creationId xmlns:a16="http://schemas.microsoft.com/office/drawing/2014/main" id="{FB69288B-7A64-4E6E-BC14-FA0AEED841A1}"/>
+                    <a16:creationId xmlns:a16="http://schemas.microsoft.com/office/drawing/2014/main" id="{D17353B1-22CA-4016-9368-B1E39BA1742B}"/>
                   </a:ext>
                 </a:extLst>
               </p:cNvPr>
-              <p:cNvSpPr/>
+              <p:cNvGrpSpPr/>
               <p:nvPr/>
-            </p:nvSpPr>
-            <p:spPr>
+            </p:nvGrpSpPr>
+            <p:grpSpPr>
               <a:xfrm>
-                <a:off x="5177309" y="861483"/>
-                <a:ext cx="6720292" cy="4527734"/>
+                <a:off x="693800" y="596012"/>
+                <a:ext cx="4801392" cy="3202265"/>
+                <a:chOff x="5177309" y="861483"/>
+                <a:chExt cx="6720292" cy="4725148"/>
               </a:xfrm>
-              <a:custGeom>
-                <a:avLst/>
-                <a:gdLst>
-                  <a:gd name="connsiteX0" fmla="*/ 3831527 w 6720292"/>
-                  <a:gd name="connsiteY0" fmla="*/ 856993 h 4527734"/>
-                  <a:gd name="connsiteX1" fmla="*/ 1316955 w 6720292"/>
-                  <a:gd name="connsiteY1" fmla="*/ 2417060 h 4527734"/>
-                  <a:gd name="connsiteX2" fmla="*/ 3831527 w 6720292"/>
-                  <a:gd name="connsiteY2" fmla="*/ 3977127 h 4527734"/>
-                  <a:gd name="connsiteX3" fmla="*/ 6346099 w 6720292"/>
-                  <a:gd name="connsiteY3" fmla="*/ 2417060 h 4527734"/>
-                  <a:gd name="connsiteX4" fmla="*/ 3831527 w 6720292"/>
-                  <a:gd name="connsiteY4" fmla="*/ 856993 h 4527734"/>
-                  <a:gd name="connsiteX5" fmla="*/ 3360146 w 6720292"/>
-                  <a:gd name="connsiteY5" fmla="*/ 0 h 4527734"/>
-                  <a:gd name="connsiteX6" fmla="*/ 6720292 w 6720292"/>
-                  <a:gd name="connsiteY6" fmla="*/ 2263867 h 4527734"/>
-                  <a:gd name="connsiteX7" fmla="*/ 3360146 w 6720292"/>
-                  <a:gd name="connsiteY7" fmla="*/ 4527734 h 4527734"/>
-                  <a:gd name="connsiteX8" fmla="*/ 0 w 6720292"/>
-                  <a:gd name="connsiteY8" fmla="*/ 2263867 h 4527734"/>
-                  <a:gd name="connsiteX9" fmla="*/ 3360146 w 6720292"/>
-                  <a:gd name="connsiteY9" fmla="*/ 0 h 4527734"/>
-                </a:gdLst>
-                <a:ahLst/>
-                <a:cxnLst>
-                  <a:cxn ang="0">
-                    <a:pos x="connsiteX0" y="connsiteY0"/>
-                  </a:cxn>
-                  <a:cxn ang="0">
-                    <a:pos x="connsiteX1" y="connsiteY1"/>
-                  </a:cxn>
-                  <a:cxn ang="0">
-                    <a:pos x="connsiteX2" y="connsiteY2"/>
-                  </a:cxn>
-                  <a:cxn ang="0">
-                    <a:pos x="connsiteX3" y="connsiteY3"/>
-                  </a:cxn>
-                  <a:cxn ang="0">
-                    <a:pos x="connsiteX4" y="connsiteY4"/>
-                  </a:cxn>
-                  <a:cxn ang="0">
-                    <a:pos x="connsiteX5" y="connsiteY5"/>
-                  </a:cxn>
-                  <a:cxn ang="0">
-                    <a:pos x="connsiteX6" y="connsiteY6"/>
-                  </a:cxn>
-                  <a:cxn ang="0">
-                    <a:pos x="connsiteX7" y="connsiteY7"/>
-                  </a:cxn>
-                  <a:cxn ang="0">
-                    <a:pos x="connsiteX8" y="connsiteY8"/>
-                  </a:cxn>
-                  <a:cxn ang="0">
-                    <a:pos x="connsiteX9" y="connsiteY9"/>
-                  </a:cxn>
-                </a:cxnLst>
-                <a:rect l="l" t="t" r="r" b="b"/>
-                <a:pathLst>
-                  <a:path w="6720292" h="4527734">
-                    <a:moveTo>
-                      <a:pt x="3831527" y="856993"/>
-                    </a:moveTo>
-                    <a:cubicBezTo>
-                      <a:pt x="2442767" y="856993"/>
-                      <a:pt x="1316955" y="1555459"/>
-                      <a:pt x="1316955" y="2417060"/>
-                    </a:cubicBezTo>
-                    <a:cubicBezTo>
-                      <a:pt x="1316955" y="3278661"/>
-                      <a:pt x="2442767" y="3977127"/>
-                      <a:pt x="3831527" y="3977127"/>
-                    </a:cubicBezTo>
-                    <a:cubicBezTo>
-                      <a:pt x="5220287" y="3977127"/>
-                      <a:pt x="6346099" y="3278661"/>
-                      <a:pt x="6346099" y="2417060"/>
-                    </a:cubicBezTo>
-                    <a:cubicBezTo>
-                      <a:pt x="6346099" y="1555459"/>
-                      <a:pt x="5220287" y="856993"/>
-                      <a:pt x="3831527" y="856993"/>
-                    </a:cubicBezTo>
-                    <a:close/>
-                    <a:moveTo>
-                      <a:pt x="3360146" y="0"/>
-                    </a:moveTo>
-                    <a:cubicBezTo>
-                      <a:pt x="5215903" y="0"/>
-                      <a:pt x="6720292" y="1013568"/>
-                      <a:pt x="6720292" y="2263867"/>
-                    </a:cubicBezTo>
-                    <a:cubicBezTo>
-                      <a:pt x="6720292" y="3514166"/>
-                      <a:pt x="5215903" y="4527734"/>
-                      <a:pt x="3360146" y="4527734"/>
-                    </a:cubicBezTo>
-                    <a:cubicBezTo>
-                      <a:pt x="1504389" y="4527734"/>
-                      <a:pt x="0" y="3514166"/>
-                      <a:pt x="0" y="2263867"/>
-                    </a:cubicBezTo>
-                    <a:cubicBezTo>
-                      <a:pt x="0" y="1013568"/>
-                      <a:pt x="1504389" y="0"/>
-                      <a:pt x="3360146" y="0"/>
-                    </a:cubicBezTo>
-                    <a:close/>
-                  </a:path>
-                </a:pathLst>
-              </a:custGeom>
-              <a:gradFill>
-                <a:gsLst>
-                  <a:gs pos="0">
-                    <a:schemeClr val="bg1">
-                      <a:lumMod val="85000"/>
-                    </a:schemeClr>
-                  </a:gs>
-                  <a:gs pos="100000">
-                    <a:schemeClr val="bg1">
-                      <a:lumMod val="65000"/>
-                    </a:schemeClr>
-                  </a:gs>
-                </a:gsLst>
-                <a:lin ang="0" scaled="1"/>
-              </a:gradFill>
-              <a:ln>
+            </p:grpSpPr>
+            <p:sp>
+              <p:nvSpPr>
+                <p:cNvPr id="5" name="자유형: 도형 4">
+                  <a:extLst>
+                    <a:ext uri="{FF2B5EF4-FFF2-40B4-BE49-F238E27FC236}">
+                      <a16:creationId xmlns:a16="http://schemas.microsoft.com/office/drawing/2014/main" id="{FB69288B-7A64-4E6E-BC14-FA0AEED841A1}"/>
+                    </a:ext>
+                  </a:extLst>
+                </p:cNvPr>
+                <p:cNvSpPr/>
+                <p:nvPr/>
+              </p:nvSpPr>
+              <p:spPr>
+                <a:xfrm>
+                  <a:off x="5177309" y="861483"/>
+                  <a:ext cx="6720292" cy="4527734"/>
+                </a:xfrm>
+                <a:custGeom>
+                  <a:avLst/>
+                  <a:gdLst>
+                    <a:gd name="connsiteX0" fmla="*/ 3831527 w 6720292"/>
+                    <a:gd name="connsiteY0" fmla="*/ 856993 h 4527734"/>
+                    <a:gd name="connsiteX1" fmla="*/ 1316955 w 6720292"/>
+                    <a:gd name="connsiteY1" fmla="*/ 2417060 h 4527734"/>
+                    <a:gd name="connsiteX2" fmla="*/ 3831527 w 6720292"/>
+                    <a:gd name="connsiteY2" fmla="*/ 3977127 h 4527734"/>
+                    <a:gd name="connsiteX3" fmla="*/ 6346099 w 6720292"/>
+                    <a:gd name="connsiteY3" fmla="*/ 2417060 h 4527734"/>
+                    <a:gd name="connsiteX4" fmla="*/ 3831527 w 6720292"/>
+                    <a:gd name="connsiteY4" fmla="*/ 856993 h 4527734"/>
+                    <a:gd name="connsiteX5" fmla="*/ 3360146 w 6720292"/>
+                    <a:gd name="connsiteY5" fmla="*/ 0 h 4527734"/>
+                    <a:gd name="connsiteX6" fmla="*/ 6720292 w 6720292"/>
+                    <a:gd name="connsiteY6" fmla="*/ 2263867 h 4527734"/>
+                    <a:gd name="connsiteX7" fmla="*/ 3360146 w 6720292"/>
+                    <a:gd name="connsiteY7" fmla="*/ 4527734 h 4527734"/>
+                    <a:gd name="connsiteX8" fmla="*/ 0 w 6720292"/>
+                    <a:gd name="connsiteY8" fmla="*/ 2263867 h 4527734"/>
+                    <a:gd name="connsiteX9" fmla="*/ 3360146 w 6720292"/>
+                    <a:gd name="connsiteY9" fmla="*/ 0 h 4527734"/>
+                  </a:gdLst>
+                  <a:ahLst/>
+                  <a:cxnLst>
+                    <a:cxn ang="0">
+                      <a:pos x="connsiteX0" y="connsiteY0"/>
+                    </a:cxn>
+                    <a:cxn ang="0">
+                      <a:pos x="connsiteX1" y="connsiteY1"/>
+                    </a:cxn>
+                    <a:cxn ang="0">
+                      <a:pos x="connsiteX2" y="connsiteY2"/>
+                    </a:cxn>
+                    <a:cxn ang="0">
+                      <a:pos x="connsiteX3" y="connsiteY3"/>
+                    </a:cxn>
+                    <a:cxn ang="0">
+                      <a:pos x="connsiteX4" y="connsiteY4"/>
+                    </a:cxn>
+                    <a:cxn ang="0">
+                      <a:pos x="connsiteX5" y="connsiteY5"/>
+                    </a:cxn>
+                    <a:cxn ang="0">
+                      <a:pos x="connsiteX6" y="connsiteY6"/>
+                    </a:cxn>
+                    <a:cxn ang="0">
+                      <a:pos x="connsiteX7" y="connsiteY7"/>
+                    </a:cxn>
+                    <a:cxn ang="0">
+                      <a:pos x="connsiteX8" y="connsiteY8"/>
+                    </a:cxn>
+                    <a:cxn ang="0">
+                      <a:pos x="connsiteX9" y="connsiteY9"/>
+                    </a:cxn>
+                  </a:cxnLst>
+                  <a:rect l="l" t="t" r="r" b="b"/>
+                  <a:pathLst>
+                    <a:path w="6720292" h="4527734">
+                      <a:moveTo>
+                        <a:pt x="3831527" y="856993"/>
+                      </a:moveTo>
+                      <a:cubicBezTo>
+                        <a:pt x="2442767" y="856993"/>
+                        <a:pt x="1316955" y="1555459"/>
+                        <a:pt x="1316955" y="2417060"/>
+                      </a:cubicBezTo>
+                      <a:cubicBezTo>
+                        <a:pt x="1316955" y="3278661"/>
+                        <a:pt x="2442767" y="3977127"/>
+                        <a:pt x="3831527" y="3977127"/>
+                      </a:cubicBezTo>
+                      <a:cubicBezTo>
+                        <a:pt x="5220287" y="3977127"/>
+                        <a:pt x="6346099" y="3278661"/>
+                        <a:pt x="6346099" y="2417060"/>
+                      </a:cubicBezTo>
+                      <a:cubicBezTo>
+                        <a:pt x="6346099" y="1555459"/>
+                        <a:pt x="5220287" y="856993"/>
+                        <a:pt x="3831527" y="856993"/>
+                      </a:cubicBezTo>
+                      <a:close/>
+                      <a:moveTo>
+                        <a:pt x="3360146" y="0"/>
+                      </a:moveTo>
+                      <a:cubicBezTo>
+                        <a:pt x="5215903" y="0"/>
+                        <a:pt x="6720292" y="1013568"/>
+                        <a:pt x="6720292" y="2263867"/>
+                      </a:cubicBezTo>
+                      <a:cubicBezTo>
+                        <a:pt x="6720292" y="3514166"/>
+                        <a:pt x="5215903" y="4527734"/>
+                        <a:pt x="3360146" y="4527734"/>
+                      </a:cubicBezTo>
+                      <a:cubicBezTo>
+                        <a:pt x="1504389" y="4527734"/>
+                        <a:pt x="0" y="3514166"/>
+                        <a:pt x="0" y="2263867"/>
+                      </a:cubicBezTo>
+                      <a:cubicBezTo>
+                        <a:pt x="0" y="1013568"/>
+                        <a:pt x="1504389" y="0"/>
+                        <a:pt x="3360146" y="0"/>
+                      </a:cubicBezTo>
+                      <a:close/>
+                    </a:path>
+                  </a:pathLst>
+                </a:custGeom>
+                <a:gradFill>
+                  <a:gsLst>
+                    <a:gs pos="0">
+                      <a:schemeClr val="bg1">
+                        <a:lumMod val="85000"/>
+                      </a:schemeClr>
+                    </a:gs>
+                    <a:gs pos="100000">
+                      <a:schemeClr val="bg1">
+                        <a:lumMod val="65000"/>
+                      </a:schemeClr>
+                    </a:gs>
+                  </a:gsLst>
+                  <a:lin ang="0" scaled="1"/>
+                </a:gradFill>
+                <a:ln>
+                  <a:noFill/>
+                </a:ln>
+              </p:spPr>
+              <p:style>
+                <a:lnRef idx="2">
+                  <a:schemeClr val="accent1">
+                    <a:shade val="50000"/>
+                  </a:schemeClr>
+                </a:lnRef>
+                <a:fillRef idx="1">
+                  <a:schemeClr val="accent1"/>
+                </a:fillRef>
+                <a:effectRef idx="0">
+                  <a:schemeClr val="accent1"/>
+                </a:effectRef>
+                <a:fontRef idx="minor">
+                  <a:schemeClr val="lt1"/>
+                </a:fontRef>
+              </p:style>
+              <p:txBody>
+                <a:bodyPr rtlCol="0" anchor="ctr"/>
+                <a:lstStyle/>
+                <a:p>
+                  <a:pPr algn="ctr"/>
+                  <a:endParaRPr lang="ko-KR" altLang="en-US"/>
+                </a:p>
+              </p:txBody>
+            </p:sp>
+            <p:sp>
+              <p:nvSpPr>
+                <p:cNvPr id="6" name="TextBox 5">
+                  <a:extLst>
+                    <a:ext uri="{FF2B5EF4-FFF2-40B4-BE49-F238E27FC236}">
+                      <a16:creationId xmlns:a16="http://schemas.microsoft.com/office/drawing/2014/main" id="{3BFC4D4B-67CE-49F1-92BE-8648AEC60D74}"/>
+                    </a:ext>
+                  </a:extLst>
+                </p:cNvPr>
+                <p:cNvSpPr txBox="1"/>
+                <p:nvPr/>
+              </p:nvSpPr>
+              <p:spPr>
+                <a:xfrm>
+                  <a:off x="7142693" y="1031538"/>
+                  <a:ext cx="3078087" cy="4555093"/>
+                </a:xfrm>
+                <a:prstGeom prst="rect">
+                  <a:avLst/>
+                </a:prstGeom>
                 <a:noFill/>
-              </a:ln>
-            </p:spPr>
-            <p:style>
-              <a:lnRef idx="2">
-                <a:schemeClr val="accent1">
-                  <a:shade val="50000"/>
-                </a:schemeClr>
-              </a:lnRef>
-              <a:fillRef idx="1">
-                <a:schemeClr val="accent1"/>
-              </a:fillRef>
-              <a:effectRef idx="0">
-                <a:schemeClr val="accent1"/>
-              </a:effectRef>
-              <a:fontRef idx="minor">
-                <a:schemeClr val="lt1"/>
-              </a:fontRef>
-            </p:style>
-            <p:txBody>
-              <a:bodyPr rtlCol="0" anchor="ctr"/>
-              <a:lstStyle/>
-              <a:p>
-                <a:pPr algn="ctr"/>
-                <a:endParaRPr lang="ko-KR" altLang="en-US"/>
-              </a:p>
-            </p:txBody>
-          </p:sp>
-          <p:sp>
-            <p:nvSpPr>
-              <p:cNvPr id="6" name="TextBox 5">
-                <a:extLst>
-                  <a:ext uri="{FF2B5EF4-FFF2-40B4-BE49-F238E27FC236}">
-                    <a16:creationId xmlns:a16="http://schemas.microsoft.com/office/drawing/2014/main" id="{3BFC4D4B-67CE-49F1-92BE-8648AEC60D74}"/>
-                  </a:ext>
-                </a:extLst>
-              </p:cNvPr>
-              <p:cNvSpPr txBox="1"/>
-              <p:nvPr/>
-            </p:nvSpPr>
-            <p:spPr>
-              <a:xfrm>
-                <a:off x="7142693" y="1031538"/>
-                <a:ext cx="3078087" cy="4555093"/>
-              </a:xfrm>
-              <a:prstGeom prst="rect">
-                <a:avLst/>
-              </a:prstGeom>
-              <a:noFill/>
-            </p:spPr>
-            <p:txBody>
-              <a:bodyPr wrap="none" rtlCol="0">
-                <a:spAutoFit/>
-              </a:bodyPr>
-              <a:lstStyle/>
-              <a:p>
-                <a:r>
-                  <a:rPr lang="en-US" altLang="ko-KR" sz="29000" dirty="0">
+              </p:spPr>
+              <p:txBody>
+                <a:bodyPr wrap="none" rtlCol="0">
+                  <a:spAutoFit/>
+                </a:bodyPr>
+                <a:lstStyle/>
+                <a:p>
+                  <a:r>
+                    <a:rPr lang="en-US" altLang="ko-KR" sz="29000" dirty="0">
+                      <a:gradFill flip="none" rotWithShape="1">
+                        <a:gsLst>
+                          <a:gs pos="0">
+                            <a:schemeClr val="accent4"/>
+                          </a:gs>
+                          <a:gs pos="100000">
+                            <a:schemeClr val="accent4">
+                              <a:lumMod val="75000"/>
+                            </a:schemeClr>
+                          </a:gs>
+                        </a:gsLst>
+                        <a:lin ang="0" scaled="1"/>
+                        <a:tileRect/>
+                      </a:gradFill>
+                      <a:latin typeface="Arial Black" panose="020B0A04020102020204" pitchFamily="34" charset="0"/>
+                      <a:cs typeface="Aharoni" panose="020B0604020202020204" pitchFamily="2" charset="-79"/>
+                    </a:rPr>
+                    <a:t>R</a:t>
+                  </a:r>
+                  <a:endParaRPr lang="ko-KR" altLang="en-US" sz="29000" dirty="0">
                     <a:gradFill flip="none" rotWithShape="1">
                       <a:gsLst>
                         <a:gs pos="0">
@@ -3974,26 +4015,71 @@
                     </a:gradFill>
                     <a:latin typeface="Arial Black" panose="020B0A04020102020204" pitchFamily="34" charset="0"/>
                     <a:cs typeface="Aharoni" panose="020B0604020202020204" pitchFamily="2" charset="-79"/>
+                  </a:endParaRPr>
+                </a:p>
+              </p:txBody>
+            </p:sp>
+          </p:grpSp>
+          <p:sp>
+            <p:nvSpPr>
+              <p:cNvPr id="2" name="TextBox 1">
+                <a:extLst>
+                  <a:ext uri="{FF2B5EF4-FFF2-40B4-BE49-F238E27FC236}">
+                    <a16:creationId xmlns:a16="http://schemas.microsoft.com/office/drawing/2014/main" id="{3DC91E21-0A25-4E59-97E8-EDCAEAA06C95}"/>
+                  </a:ext>
+                </a:extLst>
+              </p:cNvPr>
+              <p:cNvSpPr txBox="1"/>
+              <p:nvPr/>
+            </p:nvSpPr>
+            <p:spPr>
+              <a:xfrm>
+                <a:off x="536327" y="4010240"/>
+                <a:ext cx="5087483" cy="1862048"/>
+              </a:xfrm>
+              <a:prstGeom prst="rect">
+                <a:avLst/>
+              </a:prstGeom>
+              <a:noFill/>
+            </p:spPr>
+            <p:txBody>
+              <a:bodyPr wrap="none" rtlCol="0">
+                <a:spAutoFit/>
+              </a:bodyPr>
+              <a:lstStyle/>
+              <a:p>
+                <a:r>
+                  <a:rPr lang="en-US" altLang="ko-KR" sz="11500" b="1" dirty="0">
+                    <a:solidFill>
+                      <a:schemeClr val="bg1">
+                        <a:lumMod val="75000"/>
+                      </a:schemeClr>
+                    </a:solidFill>
+                    <a:latin typeface="나눔바른고딕" panose="020B0603020101020101" pitchFamily="50" charset="-127"/>
+                    <a:ea typeface="나눔바른고딕" panose="020B0603020101020101" pitchFamily="50" charset="-127"/>
                   </a:rPr>
-                  <a:t>R</a:t>
+                  <a:t>Coho </a:t>
                 </a:r>
-                <a:endParaRPr lang="ko-KR" altLang="en-US" sz="29000" dirty="0">
-                  <a:gradFill flip="none" rotWithShape="1">
-                    <a:gsLst>
-                      <a:gs pos="0">
-                        <a:schemeClr val="accent4"/>
-                      </a:gs>
-                      <a:gs pos="100000">
-                        <a:schemeClr val="accent4">
-                          <a:lumMod val="75000"/>
-                        </a:schemeClr>
-                      </a:gs>
-                    </a:gsLst>
-                    <a:lin ang="0" scaled="1"/>
-                    <a:tileRect/>
-                  </a:gradFill>
-                  <a:latin typeface="Arial Black" panose="020B0A04020102020204" pitchFamily="34" charset="0"/>
-                  <a:cs typeface="Aharoni" panose="020B0604020202020204" pitchFamily="2" charset="-79"/>
+                <a:r>
+                  <a:rPr lang="en-US" altLang="ko-KR" sz="11500" b="1" dirty="0" err="1">
+                    <a:solidFill>
+                      <a:schemeClr val="bg1">
+                        <a:lumMod val="75000"/>
+                      </a:schemeClr>
+                    </a:solidFill>
+                    <a:latin typeface="나눔바른고딕" panose="020B0603020101020101" pitchFamily="50" charset="-127"/>
+                    <a:ea typeface="나눔바른고딕" panose="020B0603020101020101" pitchFamily="50" charset="-127"/>
+                  </a:rPr>
+                  <a:t>ic</a:t>
+                </a:r>
+                <a:endParaRPr lang="ko-KR" altLang="en-US" sz="11500" b="1" dirty="0">
+                  <a:solidFill>
+                    <a:schemeClr val="bg1">
+                      <a:lumMod val="75000"/>
+                    </a:schemeClr>
+                  </a:solidFill>
+                  <a:latin typeface="나눔바른고딕" panose="020B0603020101020101" pitchFamily="50" charset="-127"/>
+                  <a:ea typeface="나눔바른고딕" panose="020B0603020101020101" pitchFamily="50" charset="-127"/>
                 </a:endParaRPr>
               </a:p>
             </p:txBody>
@@ -4001,10 +4087,10 @@
         </p:grpSp>
         <p:sp>
           <p:nvSpPr>
-            <p:cNvPr id="2" name="TextBox 1">
+            <p:cNvPr id="10" name="TextBox 9">
               <a:extLst>
                 <a:ext uri="{FF2B5EF4-FFF2-40B4-BE49-F238E27FC236}">
-                  <a16:creationId xmlns:a16="http://schemas.microsoft.com/office/drawing/2014/main" id="{3DC91E21-0A25-4E59-97E8-EDCAEAA06C95}"/>
+                  <a16:creationId xmlns:a16="http://schemas.microsoft.com/office/drawing/2014/main" id="{91471B87-846B-485C-9C26-2902F45EB540}"/>
                 </a:ext>
               </a:extLst>
             </p:cNvPr>
@@ -4013,83 +4099,7 @@
           </p:nvSpPr>
           <p:spPr>
             <a:xfrm>
-              <a:off x="607217" y="4001447"/>
-              <a:ext cx="4870821" cy="1862048"/>
-            </a:xfrm>
-            <a:prstGeom prst="rect">
-              <a:avLst/>
-            </a:prstGeom>
-            <a:noFill/>
-          </p:spPr>
-          <p:txBody>
-            <a:bodyPr wrap="none" rtlCol="0">
-              <a:spAutoFit/>
-            </a:bodyPr>
-            <a:lstStyle/>
-            <a:p>
-              <a:r>
-                <a:rPr lang="en-US" altLang="ko-KR" sz="11500" dirty="0" err="1">
-                  <a:solidFill>
-                    <a:schemeClr val="bg1">
-                      <a:lumMod val="75000"/>
-                    </a:schemeClr>
-                  </a:solidFill>
-                  <a:latin typeface="나눔바른고딕" panose="020B0603020101020101" pitchFamily="50" charset="-127"/>
-                  <a:ea typeface="나눔바른고딕" panose="020B0603020101020101" pitchFamily="50" charset="-127"/>
-                </a:rPr>
-                <a:t>coho</a:t>
-              </a:r>
-              <a:r>
-                <a:rPr lang="en-US" altLang="ko-KR" sz="11500" dirty="0">
-                  <a:solidFill>
-                    <a:schemeClr val="bg1">
-                      <a:lumMod val="75000"/>
-                    </a:schemeClr>
-                  </a:solidFill>
-                  <a:latin typeface="나눔바른고딕" panose="020B0603020101020101" pitchFamily="50" charset="-127"/>
-                  <a:ea typeface="나눔바른고딕" panose="020B0603020101020101" pitchFamily="50" charset="-127"/>
-                </a:rPr>
-                <a:t> </a:t>
-              </a:r>
-              <a:r>
-                <a:rPr lang="en-US" altLang="ko-KR" sz="11500" dirty="0" err="1">
-                  <a:solidFill>
-                    <a:schemeClr val="bg1">
-                      <a:lumMod val="75000"/>
-                    </a:schemeClr>
-                  </a:solidFill>
-                  <a:latin typeface="나눔바른고딕" panose="020B0603020101020101" pitchFamily="50" charset="-127"/>
-                  <a:ea typeface="나눔바른고딕" panose="020B0603020101020101" pitchFamily="50" charset="-127"/>
-                </a:rPr>
-                <a:t>ic</a:t>
-              </a:r>
-              <a:endParaRPr lang="ko-KR" altLang="en-US" sz="11500" dirty="0">
-                <a:solidFill>
-                  <a:schemeClr val="bg1">
-                    <a:lumMod val="75000"/>
-                  </a:schemeClr>
-                </a:solidFill>
-                <a:latin typeface="나눔바른고딕" panose="020B0603020101020101" pitchFamily="50" charset="-127"/>
-                <a:ea typeface="나눔바른고딕" panose="020B0603020101020101" pitchFamily="50" charset="-127"/>
-              </a:endParaRPr>
-            </a:p>
-          </p:txBody>
-        </p:sp>
-        <p:sp>
-          <p:nvSpPr>
-            <p:cNvPr id="7" name="TextBox 6">
-              <a:extLst>
-                <a:ext uri="{FF2B5EF4-FFF2-40B4-BE49-F238E27FC236}">
-                  <a16:creationId xmlns:a16="http://schemas.microsoft.com/office/drawing/2014/main" id="{48A3E17A-F8F7-411C-BBF4-D8885BD5061B}"/>
-                </a:ext>
-              </a:extLst>
-            </p:cNvPr>
-            <p:cNvSpPr txBox="1"/>
-            <p:nvPr/>
-          </p:nvSpPr>
-          <p:spPr>
-            <a:xfrm>
-              <a:off x="3819806" y="4001447"/>
+              <a:off x="3962063" y="4010240"/>
               <a:ext cx="543739" cy="1862048"/>
             </a:xfrm>
             <a:prstGeom prst="rect">
@@ -4104,7 +4114,7 @@
             <a:lstStyle/>
             <a:p>
               <a:r>
-                <a:rPr lang="en-US" altLang="ko-KR" sz="11500" dirty="0">
+                <a:rPr lang="en-US" altLang="ko-KR" sz="11500" b="1" dirty="0">
                   <a:solidFill>
                     <a:schemeClr val="bg1">
                       <a:lumMod val="75000"/>
@@ -4115,7 +4125,7 @@
                 </a:rPr>
                 <a:t>l</a:t>
               </a:r>
-              <a:endParaRPr lang="ko-KR" altLang="en-US" sz="11500" dirty="0">
+              <a:endParaRPr lang="ko-KR" altLang="en-US" sz="11500" b="1" dirty="0">
                 <a:solidFill>
                   <a:schemeClr val="bg1">
                     <a:lumMod val="75000"/>
@@ -4132,6 +4142,223 @@
     <p:extLst>
       <p:ext uri="{BB962C8B-B14F-4D97-AF65-F5344CB8AC3E}">
         <p14:creationId xmlns:p14="http://schemas.microsoft.com/office/powerpoint/2010/main" val="3589418946"/>
+      </p:ext>
+    </p:extLst>
+  </p:cSld>
+  <p:clrMapOvr>
+    <a:masterClrMapping/>
+  </p:clrMapOvr>
+</p:sld>
+</file>
+
+<file path=ppt/slides/slide4.xml><?xml version="1.0" encoding="utf-8"?>
+<p:sld xmlns:a="http://schemas.openxmlformats.org/drawingml/2006/main" xmlns:r="http://schemas.openxmlformats.org/officeDocument/2006/relationships" xmlns:p="http://schemas.openxmlformats.org/presentationml/2006/main">
+  <p:cSld>
+    <p:spTree>
+      <p:nvGrpSpPr>
+        <p:cNvPr id="1" name=""/>
+        <p:cNvGrpSpPr/>
+        <p:nvPr/>
+      </p:nvGrpSpPr>
+      <p:grpSpPr>
+        <a:xfrm>
+          <a:off x="0" y="0"/>
+          <a:ext cx="0" cy="0"/>
+          <a:chOff x="0" y="0"/>
+          <a:chExt cx="0" cy="0"/>
+        </a:xfrm>
+      </p:grpSpPr>
+      <p:grpSp>
+        <p:nvGrpSpPr>
+          <p:cNvPr id="9" name="그룹 8">
+            <a:extLst>
+              <a:ext uri="{FF2B5EF4-FFF2-40B4-BE49-F238E27FC236}">
+                <a16:creationId xmlns:a16="http://schemas.microsoft.com/office/drawing/2014/main" id="{D27125ED-3C6F-42D0-B146-426824098455}"/>
+              </a:ext>
+            </a:extLst>
+          </p:cNvPr>
+          <p:cNvGrpSpPr/>
+          <p:nvPr/>
+        </p:nvGrpSpPr>
+        <p:grpSpPr>
+          <a:xfrm>
+            <a:off x="1380698" y="771973"/>
+            <a:ext cx="6415220" cy="5530362"/>
+            <a:chOff x="1380698" y="771973"/>
+            <a:chExt cx="6415220" cy="5530362"/>
+          </a:xfrm>
+        </p:grpSpPr>
+        <p:sp>
+          <p:nvSpPr>
+            <p:cNvPr id="7" name="육각형 6">
+              <a:extLst>
+                <a:ext uri="{FF2B5EF4-FFF2-40B4-BE49-F238E27FC236}">
+                  <a16:creationId xmlns:a16="http://schemas.microsoft.com/office/drawing/2014/main" id="{44E3F52C-D127-41A7-9DE1-0F62A1B00C9D}"/>
+                </a:ext>
+              </a:extLst>
+            </p:cNvPr>
+            <p:cNvSpPr>
+              <a:spLocks noChangeAspect="1"/>
+            </p:cNvSpPr>
+            <p:nvPr/>
+          </p:nvSpPr>
+          <p:spPr>
+            <a:xfrm rot="1800000">
+              <a:off x="1380698" y="771973"/>
+              <a:ext cx="6415220" cy="5530362"/>
+            </a:xfrm>
+            <a:prstGeom prst="hexagon">
+              <a:avLst>
+                <a:gd name="adj" fmla="val 29444"/>
+                <a:gd name="vf" fmla="val 115470"/>
+              </a:avLst>
+            </a:prstGeom>
+            <a:solidFill>
+              <a:schemeClr val="bg1"/>
+            </a:solidFill>
+            <a:ln w="76200">
+              <a:solidFill>
+                <a:srgbClr val="FDBE00"/>
+              </a:solidFill>
+            </a:ln>
+          </p:spPr>
+          <p:style>
+            <a:lnRef idx="2">
+              <a:schemeClr val="accent1">
+                <a:shade val="50000"/>
+              </a:schemeClr>
+            </a:lnRef>
+            <a:fillRef idx="1">
+              <a:schemeClr val="accent1"/>
+            </a:fillRef>
+            <a:effectRef idx="0">
+              <a:schemeClr val="accent1"/>
+            </a:effectRef>
+            <a:fontRef idx="minor">
+              <a:schemeClr val="lt1"/>
+            </a:fontRef>
+          </p:style>
+          <p:txBody>
+            <a:bodyPr rtlCol="0" anchor="ctr"/>
+            <a:lstStyle/>
+            <a:p>
+              <a:pPr algn="ctr"/>
+              <a:endParaRPr lang="ko-KR" altLang="en-US"/>
+            </a:p>
+          </p:txBody>
+        </p:sp>
+        <p:pic>
+          <p:nvPicPr>
+            <p:cNvPr id="3" name="그림 2">
+              <a:extLst>
+                <a:ext uri="{FF2B5EF4-FFF2-40B4-BE49-F238E27FC236}">
+                  <a16:creationId xmlns:a16="http://schemas.microsoft.com/office/drawing/2014/main" id="{7889D3CB-F856-4649-8DA6-4AF9A0291C3D}"/>
+                </a:ext>
+              </a:extLst>
+            </p:cNvPr>
+            <p:cNvPicPr>
+              <a:picLocks noChangeAspect="1"/>
+            </p:cNvPicPr>
+            <p:nvPr/>
+          </p:nvPicPr>
+          <p:blipFill rotWithShape="1">
+            <a:blip r:embed="rId2">
+              <a:extLst>
+                <a:ext uri="{BEBA8EAE-BF5A-486C-A8C5-ECC9F3942E4B}">
+                  <a14:imgProps xmlns:a14="http://schemas.microsoft.com/office/drawing/2010/main">
+                    <a14:imgLayer r:embed="rId3">
+                      <a14:imgEffect>
+                        <a14:backgroundRemoval t="8444" b="80667" l="5000" r="46375">
+                          <a14:foregroundMark x1="4750" y1="72222" x2="35875" y2="69111"/>
+                          <a14:foregroundMark x1="35875" y1="69111" x2="44000" y2="73111"/>
+                          <a14:foregroundMark x1="7125" y1="60222" x2="12500" y2="79333"/>
+                          <a14:foregroundMark x1="5000" y1="25778" x2="46375" y2="38222"/>
+                          <a14:foregroundMark x1="17000" y1="15556" x2="30375" y2="11556"/>
+                          <a14:foregroundMark x1="30375" y1="11556" x2="35625" y2="12444"/>
+                          <a14:foregroundMark x1="35625" y1="12444" x2="37750" y2="14889"/>
+                          <a14:foregroundMark x1="21000" y1="8889" x2="24125" y2="10000"/>
+                          <a14:foregroundMark x1="35500" y1="63778" x2="39250" y2="65333"/>
+                          <a14:foregroundMark x1="9000" y1="75556" x2="21125" y2="74444"/>
+                          <a14:foregroundMark x1="21125" y1="74444" x2="43250" y2="76889"/>
+                          <a14:foregroundMark x1="9250" y1="48000" x2="10125" y2="67778"/>
+                          <a14:foregroundMark x1="7125" y1="66222" x2="9750" y2="34444"/>
+                          <a14:foregroundMark x1="35250" y1="18000" x2="41000" y2="52222"/>
+                          <a14:foregroundMark x1="41000" y1="52222" x2="42375" y2="76000"/>
+                          <a14:foregroundMark x1="18250" y1="15111" x2="22000" y2="74222"/>
+                          <a14:foregroundMark x1="16000" y1="28444" x2="17875" y2="54222"/>
+                          <a14:foregroundMark x1="9125" y1="52667" x2="33375" y2="60000"/>
+                          <a14:foregroundMark x1="33375" y1="60000" x2="39000" y2="56222"/>
+                          <a14:foregroundMark x1="9000" y1="58889" x2="35125" y2="66889"/>
+                          <a14:foregroundMark x1="19250" y1="23778" x2="28000" y2="16889"/>
+                          <a14:foregroundMark x1="28000" y1="16889" x2="32375" y2="25111"/>
+                          <a14:foregroundMark x1="32375" y1="25111" x2="37125" y2="29333"/>
+                          <a14:foregroundMark x1="37125" y1="29333" x2="41000" y2="22667"/>
+                          <a14:foregroundMark x1="41500" y1="25333" x2="41250" y2="28222"/>
+                          <a14:foregroundMark x1="41250" y1="28222" x2="30750" y2="54000"/>
+                          <a14:foregroundMark x1="30750" y1="54000" x2="28750" y2="45556"/>
+                          <a14:foregroundMark x1="28750" y1="45556" x2="29500" y2="43778"/>
+                          <a14:foregroundMark x1="29500" y1="43778" x2="34625" y2="44667"/>
+                          <a14:foregroundMark x1="34625" y1="44667" x2="38875" y2="44000"/>
+                          <a14:foregroundMark x1="7125" y1="62444" x2="5250" y2="70444"/>
+                          <a14:foregroundMark x1="5250" y1="70444" x2="6250" y2="78667"/>
+                          <a14:foregroundMark x1="6250" y1="78667" x2="11125" y2="80222"/>
+                          <a14:foregroundMark x1="11125" y1="80222" x2="26750" y2="76000"/>
+                          <a14:foregroundMark x1="26750" y1="76000" x2="41750" y2="78444"/>
+                          <a14:foregroundMark x1="41750" y1="78444" x2="44250" y2="70667"/>
+                          <a14:foregroundMark x1="44250" y1="70667" x2="43125" y2="65778"/>
+                          <a14:foregroundMark x1="43125" y1="66667" x2="45500" y2="74222"/>
+                          <a14:foregroundMark x1="45500" y1="74222" x2="42250" y2="80667"/>
+                          <a14:foregroundMark x1="42250" y1="80667" x2="22375" y2="78222"/>
+                          <a14:foregroundMark x1="19875" y1="79111" x2="23250" y2="78667"/>
+                          <a14:foregroundMark x1="43000" y1="80222" x2="44375" y2="73333"/>
+                          <a14:foregroundMark x1="44375" y1="73333" x2="41500" y2="66222"/>
+                          <a14:foregroundMark x1="41500" y1="66222" x2="41250" y2="65333"/>
+                          <a14:foregroundMark x1="40000" y1="48000" x2="44750" y2="38222"/>
+                          <a14:foregroundMark x1="44750" y1="38222" x2="44875" y2="28889"/>
+                          <a14:foregroundMark x1="44875" y1="28889" x2="42750" y2="20889"/>
+                          <a14:foregroundMark x1="42750" y1="20889" x2="33875" y2="11333"/>
+                          <a14:foregroundMark x1="33875" y1="11333" x2="18625" y2="8444"/>
+                          <a14:foregroundMark x1="18625" y1="8444" x2="9250" y2="15333"/>
+                          <a14:foregroundMark x1="9250" y1="15333" x2="6000" y2="22000"/>
+                          <a14:foregroundMark x1="6000" y1="22000" x2="5125" y2="30222"/>
+                          <a14:foregroundMark x1="5125" y1="30222" x2="6375" y2="39333"/>
+                          <a14:foregroundMark x1="6375" y1="39333" x2="8500" y2="45111"/>
+                          <a14:foregroundMark x1="22500" y1="8444" x2="27625" y2="9111"/>
+                          <a14:foregroundMark x1="27625" y1="9111" x2="32500" y2="8667"/>
+                          <a14:foregroundMark x1="32500" y1="8667" x2="41000" y2="16222"/>
+                          <a14:foregroundMark x1="41000" y1="16222" x2="41125" y2="17556"/>
+                          <a14:foregroundMark x1="41750" y1="17111" x2="45250" y2="23333"/>
+                          <a14:foregroundMark x1="45250" y1="23333" x2="45875" y2="32000"/>
+                          <a14:foregroundMark x1="45875" y1="32000" x2="45375" y2="36667"/>
+                          <a14:foregroundMark x1="43375" y1="67111" x2="45000" y2="66889"/>
+                          <a14:foregroundMark x1="43000" y1="66222" x2="45375" y2="70667"/>
+                          <a14:foregroundMark x1="45375" y1="67556" x2="45375" y2="78444"/>
+                          <a14:foregroundMark x1="45375" y1="78444" x2="42125" y2="80667"/>
+                        </a14:backgroundRemoval>
+                      </a14:imgEffect>
+                    </a14:imgLayer>
+                  </a14:imgProps>
+                </a:ext>
+              </a:extLst>
+            </a:blip>
+            <a:srcRect l="4523" t="6670" r="53221" b="18208"/>
+            <a:stretch/>
+          </p:blipFill>
+          <p:spPr>
+            <a:xfrm>
+              <a:off x="2493800" y="1158504"/>
+              <a:ext cx="4300291" cy="4300291"/>
+            </a:xfrm>
+            <a:prstGeom prst="rect">
+              <a:avLst/>
+            </a:prstGeom>
+          </p:spPr>
+        </p:pic>
+      </p:grpSp>
+    </p:spTree>
+    <p:extLst>
+      <p:ext uri="{BB962C8B-B14F-4D97-AF65-F5344CB8AC3E}">
+        <p14:creationId xmlns:p14="http://schemas.microsoft.com/office/powerpoint/2010/main" val="588146637"/>
       </p:ext>
     </p:extLst>
   </p:cSld>
